--- a/work/231229_进展汇报.pptx
+++ b/work/231229_进展汇报.pptx
@@ -5,13 +5,14 @@
     <p:sldMasterId id="2147483648" r:id="rId1"/>
   </p:sldMasterIdLst>
   <p:notesMasterIdLst>
-    <p:notesMasterId r:id="rId6"/>
+    <p:notesMasterId r:id="rId7"/>
   </p:notesMasterIdLst>
   <p:sldIdLst>
     <p:sldId id="256" r:id="rId2"/>
     <p:sldId id="257" r:id="rId3"/>
     <p:sldId id="259" r:id="rId4"/>
     <p:sldId id="258" r:id="rId5"/>
+    <p:sldId id="260" r:id="rId6"/>
   </p:sldIdLst>
   <p:sldSz cx="12192000" cy="6858000"/>
   <p:notesSz cx="6858000" cy="9144000"/>
@@ -200,7 +201,7 @@
           <a:p>
             <a:fld id="{ACA4115A-D1AD-4A44-A19A-850A35FF5CB6}" type="datetimeFigureOut">
               <a:rPr lang="zh-CN" altLang="en-US" smtClean="0"/>
-              <a:t>2023/12/28</a:t>
+              <a:t>2023/12/29</a:t>
             </a:fld>
             <a:endParaRPr lang="zh-CN" altLang="en-US"/>
           </a:p>
@@ -698,7 +699,7 @@
           <a:p>
             <a:fld id="{60006562-422C-4287-B689-E39F76B489DC}" type="datetimeFigureOut">
               <a:rPr lang="zh-CN" altLang="en-US" smtClean="0"/>
-              <a:t>2023/12/27</a:t>
+              <a:t>2023/12/29</a:t>
             </a:fld>
             <a:endParaRPr lang="zh-CN" altLang="en-US"/>
           </a:p>
@@ -896,7 +897,7 @@
           <a:p>
             <a:fld id="{60006562-422C-4287-B689-E39F76B489DC}" type="datetimeFigureOut">
               <a:rPr lang="zh-CN" altLang="en-US" smtClean="0"/>
-              <a:t>2023/12/27</a:t>
+              <a:t>2023/12/29</a:t>
             </a:fld>
             <a:endParaRPr lang="zh-CN" altLang="en-US"/>
           </a:p>
@@ -1104,7 +1105,7 @@
           <a:p>
             <a:fld id="{60006562-422C-4287-B689-E39F76B489DC}" type="datetimeFigureOut">
               <a:rPr lang="zh-CN" altLang="en-US" smtClean="0"/>
-              <a:t>2023/12/27</a:t>
+              <a:t>2023/12/29</a:t>
             </a:fld>
             <a:endParaRPr lang="zh-CN" altLang="en-US"/>
           </a:p>
@@ -1302,7 +1303,7 @@
           <a:p>
             <a:fld id="{60006562-422C-4287-B689-E39F76B489DC}" type="datetimeFigureOut">
               <a:rPr lang="zh-CN" altLang="en-US" smtClean="0"/>
-              <a:t>2023/12/27</a:t>
+              <a:t>2023/12/29</a:t>
             </a:fld>
             <a:endParaRPr lang="zh-CN" altLang="en-US"/>
           </a:p>
@@ -1577,7 +1578,7 @@
           <a:p>
             <a:fld id="{60006562-422C-4287-B689-E39F76B489DC}" type="datetimeFigureOut">
               <a:rPr lang="zh-CN" altLang="en-US" smtClean="0"/>
-              <a:t>2023/12/27</a:t>
+              <a:t>2023/12/29</a:t>
             </a:fld>
             <a:endParaRPr lang="zh-CN" altLang="en-US"/>
           </a:p>
@@ -1842,7 +1843,7 @@
           <a:p>
             <a:fld id="{60006562-422C-4287-B689-E39F76B489DC}" type="datetimeFigureOut">
               <a:rPr lang="zh-CN" altLang="en-US" smtClean="0"/>
-              <a:t>2023/12/27</a:t>
+              <a:t>2023/12/29</a:t>
             </a:fld>
             <a:endParaRPr lang="zh-CN" altLang="en-US"/>
           </a:p>
@@ -2254,7 +2255,7 @@
           <a:p>
             <a:fld id="{60006562-422C-4287-B689-E39F76B489DC}" type="datetimeFigureOut">
               <a:rPr lang="zh-CN" altLang="en-US" smtClean="0"/>
-              <a:t>2023/12/27</a:t>
+              <a:t>2023/12/29</a:t>
             </a:fld>
             <a:endParaRPr lang="zh-CN" altLang="en-US"/>
           </a:p>
@@ -2395,7 +2396,7 @@
           <a:p>
             <a:fld id="{60006562-422C-4287-B689-E39F76B489DC}" type="datetimeFigureOut">
               <a:rPr lang="zh-CN" altLang="en-US" smtClean="0"/>
-              <a:t>2023/12/27</a:t>
+              <a:t>2023/12/29</a:t>
             </a:fld>
             <a:endParaRPr lang="zh-CN" altLang="en-US"/>
           </a:p>
@@ -2508,7 +2509,7 @@
           <a:p>
             <a:fld id="{60006562-422C-4287-B689-E39F76B489DC}" type="datetimeFigureOut">
               <a:rPr lang="zh-CN" altLang="en-US" smtClean="0"/>
-              <a:t>2023/12/27</a:t>
+              <a:t>2023/12/29</a:t>
             </a:fld>
             <a:endParaRPr lang="zh-CN" altLang="en-US"/>
           </a:p>
@@ -2819,7 +2820,7 @@
           <a:p>
             <a:fld id="{60006562-422C-4287-B689-E39F76B489DC}" type="datetimeFigureOut">
               <a:rPr lang="zh-CN" altLang="en-US" smtClean="0"/>
-              <a:t>2023/12/27</a:t>
+              <a:t>2023/12/29</a:t>
             </a:fld>
             <a:endParaRPr lang="zh-CN" altLang="en-US"/>
           </a:p>
@@ -3107,7 +3108,7 @@
           <a:p>
             <a:fld id="{60006562-422C-4287-B689-E39F76B489DC}" type="datetimeFigureOut">
               <a:rPr lang="zh-CN" altLang="en-US" smtClean="0"/>
-              <a:t>2023/12/27</a:t>
+              <a:t>2023/12/29</a:t>
             </a:fld>
             <a:endParaRPr lang="zh-CN" altLang="en-US"/>
           </a:p>
@@ -3348,7 +3349,7 @@
           <a:p>
             <a:fld id="{60006562-422C-4287-B689-E39F76B489DC}" type="datetimeFigureOut">
               <a:rPr lang="zh-CN" altLang="en-US" smtClean="0"/>
-              <a:t>2023/12/27</a:t>
+              <a:t>2023/12/29</a:t>
             </a:fld>
             <a:endParaRPr lang="zh-CN" altLang="en-US"/>
           </a:p>
@@ -3916,8 +3917,8 @@
         </p:blipFill>
         <p:spPr>
           <a:xfrm>
-            <a:off x="1351217" y="3663339"/>
-            <a:ext cx="3750085" cy="3101204"/>
+            <a:off x="6739294" y="1991827"/>
+            <a:ext cx="3791134" cy="3135150"/>
           </a:xfrm>
           <a:prstGeom prst="rect">
             <a:avLst/>
@@ -3938,7 +3939,7 @@
         </p:nvGrpSpPr>
         <p:grpSpPr>
           <a:xfrm>
-            <a:off x="5947943" y="2992736"/>
+            <a:off x="0" y="3058050"/>
             <a:ext cx="6026969" cy="3712236"/>
             <a:chOff x="4101475" y="1003715"/>
             <a:chExt cx="7484152" cy="4499998"/>
@@ -6060,7 +6061,7 @@
         <p:spPr>
           <a:xfrm>
             <a:off x="283320" y="936143"/>
-            <a:ext cx="5565741" cy="1738938"/>
+            <a:ext cx="5565741" cy="1900520"/>
           </a:xfrm>
           <a:prstGeom prst="rect">
             <a:avLst/>
@@ -6223,8 +6224,24 @@
               <a:t> Figure S1 </a:t>
             </a:r>
             <a:r>
+              <a:rPr lang="zh-CN" altLang="en-US" sz="1050" b="1" dirty="0"/>
+              <a:t>如右图</a:t>
+            </a:r>
+            <a:r>
+              <a:rPr lang="en-US" altLang="zh-CN" sz="1050" b="1" dirty="0"/>
+              <a:t> </a:t>
+            </a:r>
+            <a:r>
               <a:rPr lang="zh-CN" altLang="en-US" sz="1050" dirty="0"/>
-              <a:t>）在偏好图片的生成过程中需要首先随机生成一张初始图片，并在初始图片的基础上进行迭代，最终获得偏好图片。因此我们选取在不同初始值下生成的偏好图片进行对比，一方面可以检验模型的可重复性，另一方面也可以作为对照。</a:t>
+              <a:t>）在偏好图片的生成过程中需要首先随机生成一张初始图片，并在初始图片的基础上进行迭代，最终获得偏好图片。因此我们选取在不同初始值下生成的偏好图片进行对比，一方面可以检验模型的可重复性，另一方面也可以作为对照，部分神经元的结果</a:t>
+            </a:r>
+            <a:r>
+              <a:rPr lang="zh-CN" altLang="en-US" sz="1050" b="1" dirty="0"/>
+              <a:t>如下图</a:t>
+            </a:r>
+            <a:r>
+              <a:rPr lang="zh-CN" altLang="en-US" sz="1050" dirty="0"/>
+              <a:t>。</a:t>
             </a:r>
             <a:endParaRPr lang="en-US" altLang="zh-CN" sz="1050" dirty="0"/>
           </a:p>
@@ -6249,7 +6266,15 @@
           <a:p>
             <a:r>
               <a:rPr lang="zh-CN" altLang="en-US" sz="1100" dirty="0"/>
-              <a:t>对于交叉训练 </a:t>
+              <a:t>对交叉训练</a:t>
+            </a:r>
+            <a:r>
+              <a:rPr lang="en-US" altLang="zh-CN" sz="1100" dirty="0"/>
+              <a:t> 2 </a:t>
+            </a:r>
+            <a:r>
+              <a:rPr lang="zh-CN" altLang="en-US" sz="1100" dirty="0"/>
+              <a:t>的偏好图片做一个随机排列，与交叉训练 </a:t>
             </a:r>
             <a:r>
               <a:rPr lang="en-US" altLang="zh-CN" sz="1100" dirty="0"/>
@@ -6257,29 +6282,15 @@
             </a:r>
             <a:r>
               <a:rPr lang="zh-CN" altLang="en-US" sz="1100" dirty="0"/>
-              <a:t>的每一个神经元偏好图片，我们在交叉训练 </a:t>
+              <a:t>的每一个神经元偏好图片进行 </a:t>
             </a:r>
             <a:r>
               <a:rPr lang="en-US" altLang="zh-CN" sz="1100" dirty="0"/>
-              <a:t>2 </a:t>
-            </a:r>
-          </a:p>
-          <a:p>
+              <a:t>SSIM </a:t>
+            </a:r>
             <a:r>
               <a:rPr lang="zh-CN" altLang="en-US" sz="1100" dirty="0"/>
-              <a:t>中随机挑选一张图片进行 </a:t>
-            </a:r>
-            <a:r>
-              <a:rPr lang="en-US" altLang="zh-CN" sz="1100" dirty="0" err="1"/>
-              <a:t>ssim</a:t>
-            </a:r>
-            <a:r>
-              <a:rPr lang="en-US" altLang="zh-CN" sz="1100" dirty="0"/>
-              <a:t> </a:t>
-            </a:r>
-            <a:r>
-              <a:rPr lang="zh-CN" altLang="en-US" sz="1100" dirty="0"/>
-              <a:t>计算作为随机对照组。</a:t>
+              <a:t>计算</a:t>
             </a:r>
             <a:endParaRPr lang="en-US" altLang="zh-CN" sz="1100" dirty="0"/>
           </a:p>
@@ -6299,8 +6310,8 @@
         </p:nvSpPr>
         <p:spPr>
           <a:xfrm>
-            <a:off x="8167209" y="22864"/>
-            <a:ext cx="3946849" cy="2031325"/>
+            <a:off x="6447454" y="0"/>
+            <a:ext cx="4469362" cy="1620000"/>
           </a:xfrm>
           <a:prstGeom prst="rect">
             <a:avLst/>
@@ -6439,31 +6450,20 @@
           </a:p>
           <a:p>
             <a:pPr marL="228600" indent="-228600">
+              <a:buFontTx/>
               <a:buAutoNum type="arabicPeriod"/>
             </a:pPr>
             <a:r>
               <a:rPr lang="zh-CN" altLang="en-US" sz="1050" dirty="0"/>
-              <a:t>在进行交叉训练时，模型同时面对带背景和不带背景的图片，训练效果好于</a:t>
-            </a:r>
-            <a:r>
-              <a:rPr lang="zh-CN" altLang="en-US" sz="1050" b="1" dirty="0"/>
-              <a:t>只用带背景的图片进行训练</a:t>
-            </a:r>
-            <a:r>
-              <a:rPr lang="en-US" altLang="zh-CN" sz="1050" b="1" dirty="0"/>
-              <a:t>(</a:t>
-            </a:r>
-            <a:r>
-              <a:rPr lang="zh-CN" altLang="en-US" sz="1050" b="1" dirty="0"/>
-              <a:t>数据</a:t>
-            </a:r>
-            <a:r>
-              <a:rPr lang="en-US" altLang="zh-CN" sz="1050" b="1" dirty="0"/>
-              <a:t>9)</a:t>
+              <a:t>观察 </a:t>
+            </a:r>
+            <a:r>
+              <a:rPr lang="en-US" altLang="zh-CN" sz="1050" dirty="0"/>
+              <a:t>SSIM</a:t>
             </a:r>
             <a:r>
               <a:rPr lang="zh-CN" altLang="en-US" sz="1050" dirty="0"/>
-              <a:t>。</a:t>
+              <a:t>的结果，我们发现，从肉眼看，随机初始值对照应该是最接近的</a:t>
             </a:r>
             <a:r>
               <a:rPr lang="en-US" altLang="zh-CN" sz="1050" dirty="0"/>
@@ -6471,12 +6471,30 @@
             </a:r>
             <a:r>
               <a:rPr lang="zh-CN" altLang="en-US" sz="1050" dirty="0"/>
-              <a:t>这可能是因为验证集里包含不带背景的图片，模型更容易预测</a:t>
+              <a:t>如左下图</a:t>
             </a:r>
             <a:r>
               <a:rPr lang="en-US" altLang="zh-CN" sz="1050" dirty="0"/>
               <a:t>)</a:t>
             </a:r>
+            <a:r>
+              <a:rPr lang="zh-CN" altLang="en-US" sz="1050" dirty="0"/>
+              <a:t>，但是实际上</a:t>
+            </a:r>
+            <a:r>
+              <a:rPr lang="en-US" altLang="zh-CN" sz="1050" dirty="0"/>
+              <a:t>SSIM</a:t>
+            </a:r>
+            <a:r>
+              <a:rPr lang="zh-CN" altLang="en-US" sz="1050" dirty="0"/>
+              <a:t>并不能直接地反映我们的肉眼观感。</a:t>
+            </a:r>
+          </a:p>
+          <a:p>
+            <a:pPr marL="228600" indent="-228600">
+              <a:buAutoNum type="arabicPeriod"/>
+            </a:pPr>
+            <a:endParaRPr lang="en-US" altLang="zh-CN" sz="1050" dirty="0"/>
           </a:p>
           <a:p>
             <a:r>
@@ -6485,7 +6503,7 @@
                   <a:srgbClr val="FF0000"/>
                 </a:solidFill>
               </a:rPr>
-              <a:t>结论</a:t>
+              <a:t>思考</a:t>
             </a:r>
             <a:endParaRPr lang="en-US" altLang="zh-CN" sz="1050" b="1" dirty="0">
               <a:solidFill>
@@ -6495,23 +6513,12 @@
           </a:p>
           <a:p>
             <a:r>
+              <a:rPr lang="zh-CN" altLang="en-US" sz="1050" dirty="0"/>
+              <a:t>都带有灰色背景，使得 </a:t>
+            </a:r>
+            <a:r>
               <a:rPr lang="en-US" altLang="zh-CN" sz="1050" dirty="0"/>
-              <a:t>     </a:t>
-            </a:r>
-            <a:r>
-              <a:rPr lang="zh-CN" altLang="en-US" sz="1050" dirty="0"/>
-              <a:t>进一步论证：模型面对带背景的图片表现不佳</a:t>
-            </a:r>
-            <a:endParaRPr lang="en-US" altLang="zh-CN" sz="1050" dirty="0"/>
-          </a:p>
-          <a:p>
-            <a:r>
-              <a:rPr lang="zh-CN" altLang="en-US" sz="1050" dirty="0"/>
-              <a:t>思考：都带有灰色背景，使得</a:t>
-            </a:r>
-            <a:r>
-              <a:rPr lang="en-US" altLang="zh-CN" sz="1050" dirty="0" err="1"/>
-              <a:t>ssim</a:t>
+              <a:t>SSIM </a:t>
             </a:r>
             <a:r>
               <a:rPr lang="zh-CN" altLang="en-US" sz="1050" dirty="0"/>
@@ -6519,9 +6526,12 @@
             </a:r>
             <a:r>
               <a:rPr lang="en-US" altLang="zh-CN" sz="1050" dirty="0"/>
-              <a:t>?</a:t>
-            </a:r>
-            <a:endParaRPr lang="zh-CN" altLang="en-US" sz="1050" dirty="0"/>
+              <a:t>? </a:t>
+            </a:r>
+            <a:r>
+              <a:rPr lang="zh-CN" altLang="en-US" sz="1050" dirty="0"/>
+              <a:t>能否做一个掩码只针对中心的图形部分，去除灰色背景的干扰？</a:t>
+            </a:r>
           </a:p>
           <a:p>
             <a:endParaRPr lang="en-US" altLang="zh-CN" sz="1050" dirty="0"/>
@@ -6546,42 +6556,12 @@
           </a:p>
         </p:txBody>
       </p:sp>
-    </p:spTree>
-    <p:extLst>
-      <p:ext uri="{BB962C8B-B14F-4D97-AF65-F5344CB8AC3E}">
-        <p14:creationId xmlns:p14="http://schemas.microsoft.com/office/powerpoint/2010/main" val="3895203614"/>
-      </p:ext>
-    </p:extLst>
-  </p:cSld>
-  <p:clrMapOvr>
-    <a:masterClrMapping/>
-  </p:clrMapOvr>
-</p:sld>
-</file>
-
-<file path=ppt/slides/slide3.xml><?xml version="1.0" encoding="utf-8"?>
-<p:sld xmlns:a="http://schemas.openxmlformats.org/drawingml/2006/main" xmlns:r="http://schemas.openxmlformats.org/officeDocument/2006/relationships" xmlns:p="http://schemas.openxmlformats.org/presentationml/2006/main">
-  <p:cSld>
-    <p:spTree>
-      <p:nvGrpSpPr>
-        <p:cNvPr id="1" name=""/>
-        <p:cNvGrpSpPr/>
-        <p:nvPr/>
-      </p:nvGrpSpPr>
-      <p:grpSpPr>
-        <a:xfrm>
-          <a:off x="0" y="0"/>
-          <a:ext cx="0" cy="0"/>
-          <a:chOff x="0" y="0"/>
-          <a:chExt cx="0" cy="0"/>
-        </a:xfrm>
-      </p:grpSpPr>
       <p:graphicFrame>
         <p:nvGraphicFramePr>
-          <p:cNvPr id="4" name="表格 3">
+          <p:cNvPr id="68" name="表格 67">
             <a:extLst>
               <a:ext uri="{FF2B5EF4-FFF2-40B4-BE49-F238E27FC236}">
-                <a16:creationId xmlns:a16="http://schemas.microsoft.com/office/drawing/2014/main" id="{DD6B7B91-2AA4-4D41-ABBA-F07B3DF92C1E}"/>
+                <a16:creationId xmlns:a16="http://schemas.microsoft.com/office/drawing/2014/main" id="{D565868C-5710-4565-BFD6-0EB25E291143}"/>
               </a:ext>
             </a:extLst>
           </p:cNvPr>
@@ -6591,14 +6571,14 @@
           <p:nvPr>
             <p:extLst>
               <p:ext uri="{D42A27DB-BD31-4B8C-83A1-F6EECF244321}">
-                <p14:modId xmlns:p14="http://schemas.microsoft.com/office/powerpoint/2010/main" val="3938870230"/>
+                <p14:modId xmlns:p14="http://schemas.microsoft.com/office/powerpoint/2010/main" val="574390557"/>
               </p:ext>
             </p:extLst>
           </p:nvPr>
         </p:nvGraphicFramePr>
         <p:xfrm>
-          <a:off x="257750" y="1731732"/>
-          <a:ext cx="4414444" cy="1657930"/>
+          <a:off x="6447454" y="5174324"/>
+          <a:ext cx="5131836" cy="1657930"/>
         </p:xfrm>
         <a:graphic>
           <a:graphicData uri="http://schemas.openxmlformats.org/drawingml/2006/table">
@@ -6607,28 +6587,28 @@
                 <a:tableStyleId>{5C22544A-7EE6-4342-B048-85BDC9FD1C3A}</a:tableStyleId>
               </a:tblPr>
               <a:tblGrid>
-                <a:gridCol w="1103611">
+                <a:gridCol w="1282959">
                   <a:extLst>
                     <a:ext uri="{9D8B030D-6E8A-4147-A177-3AD203B41FA5}">
                       <a16:colId xmlns:a16="http://schemas.microsoft.com/office/drawing/2014/main" val="1280905590"/>
                     </a:ext>
                   </a:extLst>
                 </a:gridCol>
-                <a:gridCol w="1103611">
+                <a:gridCol w="1282959">
                   <a:extLst>
                     <a:ext uri="{9D8B030D-6E8A-4147-A177-3AD203B41FA5}">
                       <a16:colId xmlns:a16="http://schemas.microsoft.com/office/drawing/2014/main" val="650802497"/>
                     </a:ext>
                   </a:extLst>
                 </a:gridCol>
-                <a:gridCol w="1103611">
+                <a:gridCol w="1282959">
                   <a:extLst>
                     <a:ext uri="{9D8B030D-6E8A-4147-A177-3AD203B41FA5}">
                       <a16:colId xmlns:a16="http://schemas.microsoft.com/office/drawing/2014/main" val="1397899082"/>
                     </a:ext>
                   </a:extLst>
                 </a:gridCol>
-                <a:gridCol w="1103611">
+                <a:gridCol w="1282959">
                   <a:extLst>
                     <a:ext uri="{9D8B030D-6E8A-4147-A177-3AD203B41FA5}">
                       <a16:colId xmlns:a16="http://schemas.microsoft.com/office/drawing/2014/main" val="4293060322"/>
@@ -6839,7 +6819,7 @@
                       <a:pPr algn="ctr"/>
                       <a:r>
                         <a:rPr lang="zh-CN" altLang="en-US" sz="1200" dirty="0"/>
-                        <a:t>随机对比</a:t>
+                        <a:t>随机偏好对照</a:t>
                       </a:r>
                     </a:p>
                   </a:txBody>
@@ -6905,7 +6885,427 @@
                       <a:pPr algn="ctr"/>
                       <a:r>
                         <a:rPr lang="zh-CN" altLang="en-US" sz="1200" dirty="0"/>
-                        <a:t>自身对比</a:t>
+                        <a:t>随机初始值对照</a:t>
+                      </a:r>
+                    </a:p>
+                  </a:txBody>
+                  <a:tcPr/>
+                </a:tc>
+                <a:tc>
+                  <a:txBody>
+                    <a:bodyPr/>
+                    <a:lstStyle/>
+                    <a:p>
+                      <a:pPr algn="ctr"/>
+                      <a:r>
+                        <a:rPr lang="en-US" altLang="zh-CN" sz="1200" dirty="0"/>
+                        <a:t>0.8534</a:t>
+                      </a:r>
+                      <a:endParaRPr lang="zh-CN" altLang="en-US" sz="1200" dirty="0"/>
+                    </a:p>
+                  </a:txBody>
+                  <a:tcPr/>
+                </a:tc>
+                <a:tc>
+                  <a:txBody>
+                    <a:bodyPr/>
+                    <a:lstStyle/>
+                    <a:p>
+                      <a:pPr algn="ctr"/>
+                      <a:r>
+                        <a:rPr lang="en-US" altLang="zh-CN" sz="1200" dirty="0"/>
+                        <a:t>0.3182</a:t>
+                      </a:r>
+                      <a:endParaRPr lang="zh-CN" altLang="en-US" sz="1200" dirty="0"/>
+                    </a:p>
+                  </a:txBody>
+                  <a:tcPr/>
+                </a:tc>
+                <a:tc>
+                  <a:txBody>
+                    <a:bodyPr/>
+                    <a:lstStyle/>
+                    <a:p>
+                      <a:pPr algn="ctr"/>
+                      <a:r>
+                        <a:rPr lang="en-US" altLang="zh-CN" sz="1200" dirty="0"/>
+                        <a:t>0.5983</a:t>
+                      </a:r>
+                      <a:endParaRPr lang="zh-CN" altLang="en-US" sz="1200" dirty="0"/>
+                    </a:p>
+                  </a:txBody>
+                  <a:tcPr/>
+                </a:tc>
+                <a:extLst>
+                  <a:ext uri="{0D108BD9-81ED-4DB2-BD59-A6C34878D82A}">
+                    <a16:rowId xmlns:a16="http://schemas.microsoft.com/office/drawing/2014/main" val="1326727396"/>
+                  </a:ext>
+                </a:extLst>
+              </a:tr>
+            </a:tbl>
+          </a:graphicData>
+        </a:graphic>
+      </p:graphicFrame>
+    </p:spTree>
+    <p:extLst>
+      <p:ext uri="{BB962C8B-B14F-4D97-AF65-F5344CB8AC3E}">
+        <p14:creationId xmlns:p14="http://schemas.microsoft.com/office/powerpoint/2010/main" val="3895203614"/>
+      </p:ext>
+    </p:extLst>
+  </p:cSld>
+  <p:clrMapOvr>
+    <a:masterClrMapping/>
+  </p:clrMapOvr>
+</p:sld>
+</file>
+
+<file path=ppt/slides/slide3.xml><?xml version="1.0" encoding="utf-8"?>
+<p:sld xmlns:a="http://schemas.openxmlformats.org/drawingml/2006/main" xmlns:r="http://schemas.openxmlformats.org/officeDocument/2006/relationships" xmlns:p="http://schemas.openxmlformats.org/presentationml/2006/main">
+  <p:cSld>
+    <p:spTree>
+      <p:nvGrpSpPr>
+        <p:cNvPr id="1" name=""/>
+        <p:cNvGrpSpPr/>
+        <p:nvPr/>
+      </p:nvGrpSpPr>
+      <p:grpSpPr>
+        <a:xfrm>
+          <a:off x="0" y="0"/>
+          <a:ext cx="0" cy="0"/>
+          <a:chOff x="0" y="0"/>
+          <a:chExt cx="0" cy="0"/>
+        </a:xfrm>
+      </p:grpSpPr>
+      <p:graphicFrame>
+        <p:nvGraphicFramePr>
+          <p:cNvPr id="4" name="表格 3">
+            <a:extLst>
+              <a:ext uri="{FF2B5EF4-FFF2-40B4-BE49-F238E27FC236}">
+                <a16:creationId xmlns:a16="http://schemas.microsoft.com/office/drawing/2014/main" id="{DD6B7B91-2AA4-4D41-ABBA-F07B3DF92C1E}"/>
+              </a:ext>
+            </a:extLst>
+          </p:cNvPr>
+          <p:cNvGraphicFramePr>
+            <a:graphicFrameLocks noGrp="1"/>
+          </p:cNvGraphicFramePr>
+          <p:nvPr>
+            <p:extLst>
+              <p:ext uri="{D42A27DB-BD31-4B8C-83A1-F6EECF244321}">
+                <p14:modId xmlns:p14="http://schemas.microsoft.com/office/powerpoint/2010/main" val="4050052612"/>
+              </p:ext>
+            </p:extLst>
+          </p:nvPr>
+        </p:nvGraphicFramePr>
+        <p:xfrm>
+          <a:off x="-1" y="2377620"/>
+          <a:ext cx="5428372" cy="1657930"/>
+        </p:xfrm>
+        <a:graphic>
+          <a:graphicData uri="http://schemas.openxmlformats.org/drawingml/2006/table">
+            <a:tbl>
+              <a:tblPr firstRow="1" bandRow="1">
+                <a:tableStyleId>{5C22544A-7EE6-4342-B048-85BDC9FD1C3A}</a:tableStyleId>
+              </a:tblPr>
+              <a:tblGrid>
+                <a:gridCol w="1357093">
+                  <a:extLst>
+                    <a:ext uri="{9D8B030D-6E8A-4147-A177-3AD203B41FA5}">
+                      <a16:colId xmlns:a16="http://schemas.microsoft.com/office/drawing/2014/main" val="1280905590"/>
+                    </a:ext>
+                  </a:extLst>
+                </a:gridCol>
+                <a:gridCol w="1357093">
+                  <a:extLst>
+                    <a:ext uri="{9D8B030D-6E8A-4147-A177-3AD203B41FA5}">
+                      <a16:colId xmlns:a16="http://schemas.microsoft.com/office/drawing/2014/main" val="650802497"/>
+                    </a:ext>
+                  </a:extLst>
+                </a:gridCol>
+                <a:gridCol w="1357093">
+                  <a:extLst>
+                    <a:ext uri="{9D8B030D-6E8A-4147-A177-3AD203B41FA5}">
+                      <a16:colId xmlns:a16="http://schemas.microsoft.com/office/drawing/2014/main" val="1397899082"/>
+                    </a:ext>
+                  </a:extLst>
+                </a:gridCol>
+                <a:gridCol w="1357093">
+                  <a:extLst>
+                    <a:ext uri="{9D8B030D-6E8A-4147-A177-3AD203B41FA5}">
+                      <a16:colId xmlns:a16="http://schemas.microsoft.com/office/drawing/2014/main" val="4293060322"/>
+                    </a:ext>
+                  </a:extLst>
+                </a:gridCol>
+              </a:tblGrid>
+              <a:tr h="487626">
+                <a:tc>
+                  <a:txBody>
+                    <a:bodyPr/>
+                    <a:lstStyle/>
+                    <a:p>
+                      <a:endParaRPr lang="zh-CN" altLang="en-US" sz="1200" dirty="0"/>
+                    </a:p>
+                  </a:txBody>
+                  <a:tcPr/>
+                </a:tc>
+                <a:tc>
+                  <a:txBody>
+                    <a:bodyPr/>
+                    <a:lstStyle/>
+                    <a:p>
+                      <a:pPr algn="ctr"/>
+                      <a:r>
+                        <a:rPr lang="en-US" altLang="zh-CN" sz="1200" dirty="0"/>
+                        <a:t>Max SSIM</a:t>
+                      </a:r>
+                      <a:endParaRPr lang="zh-CN" altLang="en-US" sz="1200" dirty="0"/>
+                    </a:p>
+                  </a:txBody>
+                  <a:tcPr/>
+                </a:tc>
+                <a:tc>
+                  <a:txBody>
+                    <a:bodyPr/>
+                    <a:lstStyle/>
+                    <a:p>
+                      <a:pPr algn="ctr"/>
+                      <a:r>
+                        <a:rPr lang="en-US" altLang="zh-CN" sz="1200" dirty="0"/>
+                        <a:t>Min SSIM</a:t>
+                      </a:r>
+                      <a:endParaRPr lang="zh-CN" altLang="en-US" sz="1200" dirty="0"/>
+                    </a:p>
+                  </a:txBody>
+                  <a:tcPr/>
+                </a:tc>
+                <a:tc>
+                  <a:txBody>
+                    <a:bodyPr/>
+                    <a:lstStyle/>
+                    <a:p>
+                      <a:pPr algn="ctr"/>
+                      <a:r>
+                        <a:rPr lang="en-US" altLang="zh-CN" sz="1200" dirty="0"/>
+                        <a:t>Average SSIM</a:t>
+                      </a:r>
+                      <a:endParaRPr lang="zh-CN" altLang="en-US" sz="1200" dirty="0"/>
+                    </a:p>
+                  </a:txBody>
+                  <a:tcPr/>
+                </a:tc>
+                <a:extLst>
+                  <a:ext uri="{0D108BD9-81ED-4DB2-BD59-A6C34878D82A}">
+                    <a16:rowId xmlns:a16="http://schemas.microsoft.com/office/drawing/2014/main" val="3304108294"/>
+                  </a:ext>
+                </a:extLst>
+              </a:tr>
+              <a:tr h="292576">
+                <a:tc>
+                  <a:txBody>
+                    <a:bodyPr/>
+                    <a:lstStyle/>
+                    <a:p>
+                      <a:pPr algn="ctr"/>
+                      <a:r>
+                        <a:rPr lang="zh-CN" altLang="en-US" sz="1200" dirty="0"/>
+                        <a:t>单独训练</a:t>
+                      </a:r>
+                    </a:p>
+                  </a:txBody>
+                  <a:tcPr/>
+                </a:tc>
+                <a:tc>
+                  <a:txBody>
+                    <a:bodyPr/>
+                    <a:lstStyle/>
+                    <a:p>
+                      <a:pPr algn="ctr"/>
+                      <a:r>
+                        <a:rPr lang="en-US" altLang="zh-CN" sz="1200" dirty="0"/>
+                        <a:t>0.8631</a:t>
+                      </a:r>
+                      <a:endParaRPr lang="zh-CN" altLang="en-US" sz="1200" dirty="0"/>
+                    </a:p>
+                  </a:txBody>
+                  <a:tcPr/>
+                </a:tc>
+                <a:tc>
+                  <a:txBody>
+                    <a:bodyPr/>
+                    <a:lstStyle/>
+                    <a:p>
+                      <a:pPr algn="ctr"/>
+                      <a:r>
+                        <a:rPr lang="en-US" altLang="zh-CN" sz="1200" dirty="0"/>
+                        <a:t>0.3677</a:t>
+                      </a:r>
+                      <a:endParaRPr lang="zh-CN" altLang="en-US" sz="1200" dirty="0"/>
+                    </a:p>
+                  </a:txBody>
+                  <a:tcPr/>
+                </a:tc>
+                <a:tc>
+                  <a:txBody>
+                    <a:bodyPr/>
+                    <a:lstStyle/>
+                    <a:p>
+                      <a:pPr algn="ctr"/>
+                      <a:r>
+                        <a:rPr lang="en-US" altLang="zh-CN" sz="1200" dirty="0"/>
+                        <a:t>0.6271</a:t>
+                      </a:r>
+                      <a:endParaRPr lang="zh-CN" altLang="en-US" sz="1200" dirty="0"/>
+                    </a:p>
+                  </a:txBody>
+                  <a:tcPr/>
+                </a:tc>
+                <a:extLst>
+                  <a:ext uri="{0D108BD9-81ED-4DB2-BD59-A6C34878D82A}">
+                    <a16:rowId xmlns:a16="http://schemas.microsoft.com/office/drawing/2014/main" val="2801178024"/>
+                  </a:ext>
+                </a:extLst>
+              </a:tr>
+              <a:tr h="292576">
+                <a:tc>
+                  <a:txBody>
+                    <a:bodyPr/>
+                    <a:lstStyle/>
+                    <a:p>
+                      <a:pPr algn="ctr"/>
+                      <a:r>
+                        <a:rPr lang="zh-CN" altLang="en-US" sz="1200" dirty="0"/>
+                        <a:t>交叉训练</a:t>
+                      </a:r>
+                    </a:p>
+                  </a:txBody>
+                  <a:tcPr/>
+                </a:tc>
+                <a:tc>
+                  <a:txBody>
+                    <a:bodyPr/>
+                    <a:lstStyle/>
+                    <a:p>
+                      <a:pPr algn="ctr"/>
+                      <a:r>
+                        <a:rPr lang="en-US" altLang="zh-CN" sz="1200" dirty="0"/>
+                        <a:t>0.8822</a:t>
+                      </a:r>
+                      <a:endParaRPr lang="zh-CN" altLang="en-US" sz="1200" dirty="0"/>
+                    </a:p>
+                  </a:txBody>
+                  <a:tcPr/>
+                </a:tc>
+                <a:tc>
+                  <a:txBody>
+                    <a:bodyPr/>
+                    <a:lstStyle/>
+                    <a:p>
+                      <a:pPr algn="ctr"/>
+                      <a:r>
+                        <a:rPr lang="en-US" altLang="zh-CN" sz="1200" dirty="0"/>
+                        <a:t>0.4088</a:t>
+                      </a:r>
+                      <a:endParaRPr lang="zh-CN" altLang="en-US" sz="1200" dirty="0"/>
+                    </a:p>
+                  </a:txBody>
+                  <a:tcPr/>
+                </a:tc>
+                <a:tc>
+                  <a:txBody>
+                    <a:bodyPr/>
+                    <a:lstStyle/>
+                    <a:p>
+                      <a:pPr algn="ctr"/>
+                      <a:r>
+                        <a:rPr lang="en-US" altLang="zh-CN" sz="1200" dirty="0"/>
+                        <a:t>0.6447</a:t>
+                      </a:r>
+                      <a:endParaRPr lang="zh-CN" altLang="en-US" sz="1200" dirty="0"/>
+                    </a:p>
+                  </a:txBody>
+                  <a:tcPr/>
+                </a:tc>
+                <a:extLst>
+                  <a:ext uri="{0D108BD9-81ED-4DB2-BD59-A6C34878D82A}">
+                    <a16:rowId xmlns:a16="http://schemas.microsoft.com/office/drawing/2014/main" val="867467504"/>
+                  </a:ext>
+                </a:extLst>
+              </a:tr>
+              <a:tr h="292576">
+                <a:tc>
+                  <a:txBody>
+                    <a:bodyPr/>
+                    <a:lstStyle/>
+                    <a:p>
+                      <a:pPr algn="ctr"/>
+                      <a:r>
+                        <a:rPr lang="zh-CN" altLang="en-US" sz="1200" dirty="0"/>
+                        <a:t>随机偏好对照</a:t>
+                      </a:r>
+                    </a:p>
+                  </a:txBody>
+                  <a:tcPr/>
+                </a:tc>
+                <a:tc>
+                  <a:txBody>
+                    <a:bodyPr/>
+                    <a:lstStyle/>
+                    <a:p>
+                      <a:pPr algn="ctr"/>
+                      <a:r>
+                        <a:rPr lang="en-US" altLang="zh-CN" sz="1200" dirty="0"/>
+                        <a:t>0.8007</a:t>
+                      </a:r>
+                      <a:endParaRPr lang="zh-CN" altLang="en-US" sz="1200" dirty="0"/>
+                    </a:p>
+                  </a:txBody>
+                  <a:tcPr/>
+                </a:tc>
+                <a:tc>
+                  <a:txBody>
+                    <a:bodyPr/>
+                    <a:lstStyle/>
+                    <a:p>
+                      <a:pPr algn="ctr"/>
+                      <a:r>
+                        <a:rPr lang="en-US" altLang="zh-CN" sz="1200" dirty="0"/>
+                        <a:t>0.3913</a:t>
+                      </a:r>
+                      <a:endParaRPr lang="zh-CN" altLang="en-US" sz="1200" dirty="0"/>
+                    </a:p>
+                  </a:txBody>
+                  <a:tcPr/>
+                </a:tc>
+                <a:tc>
+                  <a:txBody>
+                    <a:bodyPr/>
+                    <a:lstStyle/>
+                    <a:p>
+                      <a:pPr algn="ctr"/>
+                      <a:r>
+                        <a:rPr lang="en-US" altLang="zh-CN" sz="1200" dirty="0"/>
+                        <a:t>0.5953</a:t>
+                      </a:r>
+                      <a:endParaRPr lang="zh-CN" altLang="en-US" sz="1200" dirty="0"/>
+                    </a:p>
+                  </a:txBody>
+                  <a:tcPr/>
+                </a:tc>
+                <a:extLst>
+                  <a:ext uri="{0D108BD9-81ED-4DB2-BD59-A6C34878D82A}">
+                    <a16:rowId xmlns:a16="http://schemas.microsoft.com/office/drawing/2014/main" val="194705987"/>
+                  </a:ext>
+                </a:extLst>
+              </a:tr>
+              <a:tr h="292576">
+                <a:tc>
+                  <a:txBody>
+                    <a:bodyPr/>
+                    <a:lstStyle/>
+                    <a:p>
+                      <a:pPr algn="ctr"/>
+                      <a:r>
+                        <a:rPr lang="zh-CN" altLang="en-US" sz="1200" dirty="0"/>
+                        <a:t>随机初始值对照</a:t>
                       </a:r>
                     </a:p>
                   </a:txBody>
@@ -6981,14 +7381,14 @@
           <p:nvPr>
             <p:extLst>
               <p:ext uri="{D42A27DB-BD31-4B8C-83A1-F6EECF244321}">
-                <p14:modId xmlns:p14="http://schemas.microsoft.com/office/powerpoint/2010/main" val="824762978"/>
+                <p14:modId xmlns:p14="http://schemas.microsoft.com/office/powerpoint/2010/main" val="2651570460"/>
               </p:ext>
             </p:extLst>
           </p:nvPr>
         </p:nvGraphicFramePr>
         <p:xfrm>
-          <a:off x="257750" y="4353204"/>
-          <a:ext cx="4414444" cy="1657930"/>
+          <a:off x="2044" y="4671905"/>
+          <a:ext cx="5428372" cy="1657930"/>
         </p:xfrm>
         <a:graphic>
           <a:graphicData uri="http://schemas.openxmlformats.org/drawingml/2006/table">
@@ -6997,28 +7397,28 @@
                 <a:tableStyleId>{5C22544A-7EE6-4342-B048-85BDC9FD1C3A}</a:tableStyleId>
               </a:tblPr>
               <a:tblGrid>
-                <a:gridCol w="1048536">
+                <a:gridCol w="1289368">
                   <a:extLst>
                     <a:ext uri="{9D8B030D-6E8A-4147-A177-3AD203B41FA5}">
                       <a16:colId xmlns:a16="http://schemas.microsoft.com/office/drawing/2014/main" val="1280905590"/>
                     </a:ext>
                   </a:extLst>
                 </a:gridCol>
-                <a:gridCol w="1158686">
+                <a:gridCol w="1424818">
                   <a:extLst>
                     <a:ext uri="{9D8B030D-6E8A-4147-A177-3AD203B41FA5}">
                       <a16:colId xmlns:a16="http://schemas.microsoft.com/office/drawing/2014/main" val="650802497"/>
                     </a:ext>
                   </a:extLst>
                 </a:gridCol>
-                <a:gridCol w="1103611">
+                <a:gridCol w="1357093">
                   <a:extLst>
                     <a:ext uri="{9D8B030D-6E8A-4147-A177-3AD203B41FA5}">
                       <a16:colId xmlns:a16="http://schemas.microsoft.com/office/drawing/2014/main" val="1397899082"/>
                     </a:ext>
                   </a:extLst>
                 </a:gridCol>
-                <a:gridCol w="1103611">
+                <a:gridCol w="1357093">
                   <a:extLst>
                     <a:ext uri="{9D8B030D-6E8A-4147-A177-3AD203B41FA5}">
                       <a16:colId xmlns:a16="http://schemas.microsoft.com/office/drawing/2014/main" val="4293060322"/>
@@ -7229,7 +7629,7 @@
                       <a:pPr algn="ctr"/>
                       <a:r>
                         <a:rPr lang="zh-CN" altLang="en-US" sz="1200" dirty="0"/>
-                        <a:t>随机对比</a:t>
+                        <a:t>随机偏好对照</a:t>
                       </a:r>
                     </a:p>
                   </a:txBody>
@@ -7295,7 +7695,7 @@
                       <a:pPr algn="ctr"/>
                       <a:r>
                         <a:rPr lang="zh-CN" altLang="en-US" sz="1200" dirty="0"/>
-                        <a:t>自身对比</a:t>
+                        <a:t>随机初始值对照</a:t>
                       </a:r>
                     </a:p>
                   </a:txBody>
@@ -7370,7 +7770,7 @@
         </p:nvSpPr>
         <p:spPr>
           <a:xfrm>
-            <a:off x="1507929" y="3983872"/>
+            <a:off x="1157266" y="4302573"/>
             <a:ext cx="2260847" cy="369332"/>
           </a:xfrm>
           <a:prstGeom prst="rect">
@@ -7419,7 +7819,7 @@
         </p:nvSpPr>
         <p:spPr>
           <a:xfrm>
-            <a:off x="1791749" y="1286943"/>
+            <a:off x="1604001" y="2015557"/>
             <a:ext cx="2260847" cy="369332"/>
           </a:xfrm>
           <a:prstGeom prst="rect">
@@ -7473,8 +7873,8 @@
         </p:blipFill>
         <p:spPr>
           <a:xfrm>
-            <a:off x="4925309" y="2664834"/>
-            <a:ext cx="3056662" cy="1528331"/>
+            <a:off x="5637276" y="251121"/>
+            <a:ext cx="3898204" cy="1949102"/>
           </a:xfrm>
           <a:prstGeom prst="rect">
             <a:avLst/>
@@ -7483,10 +7883,84 @@
       </p:pic>
       <p:sp>
         <p:nvSpPr>
-          <p:cNvPr id="2" name="文本框 1">
+          <p:cNvPr id="10" name="矩形 9">
             <a:extLst>
               <a:ext uri="{FF2B5EF4-FFF2-40B4-BE49-F238E27FC236}">
-                <a16:creationId xmlns:a16="http://schemas.microsoft.com/office/drawing/2014/main" id="{DF3AAF3D-20BA-4717-A084-8B1483D5EFAF}"/>
+                <a16:creationId xmlns:a16="http://schemas.microsoft.com/office/drawing/2014/main" id="{3A5839C6-7064-40BA-ADD6-EDAD3A12F5FE}"/>
+              </a:ext>
+            </a:extLst>
+          </p:cNvPr>
+          <p:cNvSpPr/>
+          <p:nvPr/>
+        </p:nvSpPr>
+        <p:spPr>
+          <a:xfrm>
+            <a:off x="247276" y="197291"/>
+            <a:ext cx="6096000" cy="646331"/>
+          </a:xfrm>
+          <a:prstGeom prst="rect">
+            <a:avLst/>
+          </a:prstGeom>
+        </p:spPr>
+        <p:txBody>
+          <a:bodyPr>
+            <a:spAutoFit/>
+          </a:bodyPr>
+          <a:lstStyle/>
+          <a:p>
+            <a:r>
+              <a:rPr lang="zh-CN" altLang="en-US" dirty="0">
+                <a:solidFill>
+                  <a:srgbClr val="FF0000"/>
+                </a:solidFill>
+              </a:rPr>
+              <a:t>工作</a:t>
+            </a:r>
+            <a:r>
+              <a:rPr lang="en-US" altLang="zh-CN" dirty="0">
+                <a:solidFill>
+                  <a:srgbClr val="FF0000"/>
+                </a:solidFill>
+              </a:rPr>
+              <a:t>2</a:t>
+            </a:r>
+            <a:r>
+              <a:rPr lang="zh-CN" altLang="en-US" dirty="0">
+                <a:solidFill>
+                  <a:srgbClr val="FF0000"/>
+                </a:solidFill>
+              </a:rPr>
+              <a:t>：</a:t>
+            </a:r>
+            <a:r>
+              <a:rPr lang="zh-CN" altLang="en-US" dirty="0"/>
+              <a:t>评价指标的探究</a:t>
+            </a:r>
+            <a:endParaRPr lang="en-US" altLang="zh-CN" dirty="0"/>
+          </a:p>
+          <a:p>
+            <a:r>
+              <a:rPr lang="zh-CN" altLang="en-US" dirty="0">
+                <a:solidFill>
+                  <a:srgbClr val="FF0000"/>
+                </a:solidFill>
+              </a:rPr>
+              <a:t>目的</a:t>
+            </a:r>
+            <a:r>
+              <a:rPr lang="zh-CN" altLang="en-US" dirty="0"/>
+              <a:t>：找到合适的评估指标</a:t>
+            </a:r>
+            <a:endParaRPr lang="en-US" altLang="zh-CN" dirty="0"/>
+          </a:p>
+        </p:txBody>
+      </p:sp>
+      <p:sp>
+        <p:nvSpPr>
+          <p:cNvPr id="11" name="文本框 7">
+            <a:extLst>
+              <a:ext uri="{FF2B5EF4-FFF2-40B4-BE49-F238E27FC236}">
+                <a16:creationId xmlns:a16="http://schemas.microsoft.com/office/drawing/2014/main" id="{3222411D-ECE3-49BD-BE50-54F4395C74C2}"/>
               </a:ext>
             </a:extLst>
           </p:cNvPr>
@@ -7495,48 +7969,488 @@
         </p:nvSpPr>
         <p:spPr>
           <a:xfrm>
-            <a:off x="8518849" y="1017037"/>
-            <a:ext cx="3601616" cy="1200329"/>
+            <a:off x="71535" y="864102"/>
+            <a:ext cx="5565741" cy="1061829"/>
           </a:xfrm>
           <a:prstGeom prst="rect">
             <a:avLst/>
           </a:prstGeom>
           <a:noFill/>
+          <a:ln>
+            <a:solidFill>
+              <a:schemeClr val="tx1"/>
+            </a:solidFill>
+          </a:ln>
         </p:spPr>
         <p:txBody>
           <a:bodyPr wrap="square" rtlCol="0">
             <a:spAutoFit/>
           </a:bodyPr>
-          <a:lstStyle/>
-          <a:p>
-            <a:r>
-              <a:rPr lang="en-US" altLang="zh-CN" dirty="0"/>
-              <a:t>CLIP</a:t>
-            </a:r>
-          </a:p>
-          <a:p>
-            <a:endParaRPr lang="en-US" altLang="zh-CN" dirty="0"/>
-          </a:p>
-          <a:p>
-            <a:endParaRPr lang="en-US" altLang="zh-CN" dirty="0"/>
-          </a:p>
-          <a:p>
-            <a:r>
-              <a:rPr lang="en-US" altLang="zh-CN" dirty="0"/>
+          <a:lstStyle>
+            <a:defPPr>
+              <a:defRPr lang="zh-CN"/>
+            </a:defPPr>
+            <a:lvl1pPr marL="0" algn="l" defTabSz="914400" rtl="0" eaLnBrk="1" latinLnBrk="0" hangingPunct="1">
+              <a:defRPr sz="1800" kern="1200">
+                <a:solidFill>
+                  <a:schemeClr val="tx1"/>
+                </a:solidFill>
+                <a:latin typeface="+mn-lt"/>
+                <a:ea typeface="+mn-ea"/>
+                <a:cs typeface="+mn-cs"/>
+              </a:defRPr>
+            </a:lvl1pPr>
+            <a:lvl2pPr marL="457200" algn="l" defTabSz="914400" rtl="0" eaLnBrk="1" latinLnBrk="0" hangingPunct="1">
+              <a:defRPr sz="1800" kern="1200">
+                <a:solidFill>
+                  <a:schemeClr val="tx1"/>
+                </a:solidFill>
+                <a:latin typeface="+mn-lt"/>
+                <a:ea typeface="+mn-ea"/>
+                <a:cs typeface="+mn-cs"/>
+              </a:defRPr>
+            </a:lvl2pPr>
+            <a:lvl3pPr marL="914400" algn="l" defTabSz="914400" rtl="0" eaLnBrk="1" latinLnBrk="0" hangingPunct="1">
+              <a:defRPr sz="1800" kern="1200">
+                <a:solidFill>
+                  <a:schemeClr val="tx1"/>
+                </a:solidFill>
+                <a:latin typeface="+mn-lt"/>
+                <a:ea typeface="+mn-ea"/>
+                <a:cs typeface="+mn-cs"/>
+              </a:defRPr>
+            </a:lvl3pPr>
+            <a:lvl4pPr marL="1371600" algn="l" defTabSz="914400" rtl="0" eaLnBrk="1" latinLnBrk="0" hangingPunct="1">
+              <a:defRPr sz="1800" kern="1200">
+                <a:solidFill>
+                  <a:schemeClr val="tx1"/>
+                </a:solidFill>
+                <a:latin typeface="+mn-lt"/>
+                <a:ea typeface="+mn-ea"/>
+                <a:cs typeface="+mn-cs"/>
+              </a:defRPr>
+            </a:lvl4pPr>
+            <a:lvl5pPr marL="1828800" algn="l" defTabSz="914400" rtl="0" eaLnBrk="1" latinLnBrk="0" hangingPunct="1">
+              <a:defRPr sz="1800" kern="1200">
+                <a:solidFill>
+                  <a:schemeClr val="tx1"/>
+                </a:solidFill>
+                <a:latin typeface="+mn-lt"/>
+                <a:ea typeface="+mn-ea"/>
+                <a:cs typeface="+mn-cs"/>
+              </a:defRPr>
+            </a:lvl5pPr>
+            <a:lvl6pPr marL="2286000" algn="l" defTabSz="914400" rtl="0" eaLnBrk="1" latinLnBrk="0" hangingPunct="1">
+              <a:defRPr sz="1800" kern="1200">
+                <a:solidFill>
+                  <a:schemeClr val="tx1"/>
+                </a:solidFill>
+                <a:latin typeface="+mn-lt"/>
+                <a:ea typeface="+mn-ea"/>
+                <a:cs typeface="+mn-cs"/>
+              </a:defRPr>
+            </a:lvl6pPr>
+            <a:lvl7pPr marL="2743200" algn="l" defTabSz="914400" rtl="0" eaLnBrk="1" latinLnBrk="0" hangingPunct="1">
+              <a:defRPr sz="1800" kern="1200">
+                <a:solidFill>
+                  <a:schemeClr val="tx1"/>
+                </a:solidFill>
+                <a:latin typeface="+mn-lt"/>
+                <a:ea typeface="+mn-ea"/>
+                <a:cs typeface="+mn-cs"/>
+              </a:defRPr>
+            </a:lvl7pPr>
+            <a:lvl8pPr marL="3200400" algn="l" defTabSz="914400" rtl="0" eaLnBrk="1" latinLnBrk="0" hangingPunct="1">
+              <a:defRPr sz="1800" kern="1200">
+                <a:solidFill>
+                  <a:schemeClr val="tx1"/>
+                </a:solidFill>
+                <a:latin typeface="+mn-lt"/>
+                <a:ea typeface="+mn-ea"/>
+                <a:cs typeface="+mn-cs"/>
+              </a:defRPr>
+            </a:lvl8pPr>
+            <a:lvl9pPr marL="3657600" algn="l" defTabSz="914400" rtl="0" eaLnBrk="1" latinLnBrk="0" hangingPunct="1">
+              <a:defRPr sz="1800" kern="1200">
+                <a:solidFill>
+                  <a:schemeClr val="tx1"/>
+                </a:solidFill>
+                <a:latin typeface="+mn-lt"/>
+                <a:ea typeface="+mn-ea"/>
+                <a:cs typeface="+mn-cs"/>
+              </a:defRPr>
+            </a:lvl9pPr>
+          </a:lstStyle>
+          <a:p>
+            <a:pPr algn="l"/>
+            <a:r>
+              <a:rPr lang="zh-CN" altLang="en-US" sz="1050" b="1" dirty="0">
+                <a:solidFill>
+                  <a:srgbClr val="FF0000"/>
+                </a:solidFill>
+              </a:rPr>
+              <a:t>详细说明</a:t>
+            </a:r>
+            <a:endParaRPr lang="en-US" altLang="zh-CN" sz="1050" b="1" dirty="0">
+              <a:solidFill>
+                <a:srgbClr val="FF0000"/>
+              </a:solidFill>
+            </a:endParaRPr>
+          </a:p>
+          <a:p>
+            <a:r>
+              <a:rPr lang="zh-CN" altLang="en-US" sz="1050" dirty="0"/>
+              <a:t>从前面的结果发现 </a:t>
+            </a:r>
+            <a:r>
+              <a:rPr lang="en-US" altLang="zh-CN" sz="1050" dirty="0"/>
               <a:t>SSIM </a:t>
             </a:r>
             <a:r>
-              <a:rPr lang="zh-CN" altLang="en-US" dirty="0"/>
-              <a:t>不适合我们</a:t>
-            </a:r>
-            <a:r>
-              <a:rPr lang="zh-CN" altLang="en-US"/>
-              <a:t>的项目</a:t>
-            </a:r>
-            <a:endParaRPr lang="en-US" altLang="zh-CN" dirty="0"/>
+              <a:rPr lang="zh-CN" altLang="en-US" sz="1050" dirty="0"/>
+              <a:t>不能直接反映出我们的肉眼观感，初步怀疑是有过多的公共灰色背景，那么如果适当裁剪掉灰色背景结果能改善吗？</a:t>
+            </a:r>
+            <a:endParaRPr lang="en-US" altLang="zh-CN" sz="1050" dirty="0"/>
+          </a:p>
+          <a:p>
+            <a:endParaRPr lang="en-US" altLang="zh-CN" sz="1050" dirty="0"/>
+          </a:p>
+          <a:p>
+            <a:r>
+              <a:rPr lang="zh-CN" altLang="en-US" sz="1050" dirty="0"/>
+              <a:t>类似于</a:t>
+            </a:r>
+            <a:r>
+              <a:rPr lang="en-US" altLang="zh-CN" sz="1050" dirty="0"/>
+              <a:t>crop</a:t>
+            </a:r>
+            <a:r>
+              <a:rPr lang="zh-CN" altLang="en-US" sz="1050" dirty="0"/>
+              <a:t>，在图片的中心截取一个半径为</a:t>
+            </a:r>
+            <a:r>
+              <a:rPr lang="en-US" altLang="zh-CN" sz="1050" dirty="0"/>
+              <a:t>125px</a:t>
+            </a:r>
+            <a:r>
+              <a:rPr lang="zh-CN" altLang="en-US" sz="1050" dirty="0"/>
+              <a:t>的圆，把剩下的内容去除，我们称这个过程为带 </a:t>
+            </a:r>
+            <a:r>
+              <a:rPr lang="en-US" altLang="zh-CN" sz="1050" dirty="0"/>
+              <a:t>mask </a:t>
+            </a:r>
+            <a:r>
+              <a:rPr lang="zh-CN" altLang="en-US" sz="1050" dirty="0"/>
+              <a:t>的</a:t>
+            </a:r>
+            <a:r>
+              <a:rPr lang="en-US" altLang="zh-CN" sz="1050" dirty="0"/>
+              <a:t>SSIM</a:t>
+            </a:r>
+            <a:r>
+              <a:rPr lang="zh-CN" altLang="en-US" sz="1050" dirty="0"/>
+              <a:t>，</a:t>
+            </a:r>
+            <a:r>
+              <a:rPr lang="zh-CN" altLang="en-US" sz="1050" b="1" dirty="0"/>
+              <a:t>操作示意图如右图，结果见下表</a:t>
+            </a:r>
+            <a:r>
+              <a:rPr lang="en-US" altLang="zh-CN" sz="1050" b="1" dirty="0"/>
+              <a:t>.</a:t>
+            </a:r>
+            <a:endParaRPr lang="en-US" altLang="zh-CN" sz="1100" b="1" dirty="0"/>
           </a:p>
         </p:txBody>
       </p:sp>
+      <p:sp>
+        <p:nvSpPr>
+          <p:cNvPr id="12" name="文本框 7">
+            <a:extLst>
+              <a:ext uri="{FF2B5EF4-FFF2-40B4-BE49-F238E27FC236}">
+                <a16:creationId xmlns:a16="http://schemas.microsoft.com/office/drawing/2014/main" id="{31E7C847-0CE5-4FCA-8352-C369DF997DD5}"/>
+              </a:ext>
+            </a:extLst>
+          </p:cNvPr>
+          <p:cNvSpPr txBox="1"/>
+          <p:nvPr/>
+        </p:nvSpPr>
+        <p:spPr>
+          <a:xfrm>
+            <a:off x="5872065" y="5202302"/>
+            <a:ext cx="5924550" cy="1350000"/>
+          </a:xfrm>
+          <a:prstGeom prst="rect">
+            <a:avLst/>
+          </a:prstGeom>
+          <a:noFill/>
+          <a:ln>
+            <a:solidFill>
+              <a:schemeClr val="tx1"/>
+            </a:solidFill>
+          </a:ln>
+        </p:spPr>
+        <p:txBody>
+          <a:bodyPr wrap="square" rtlCol="0">
+            <a:spAutoFit/>
+          </a:bodyPr>
+          <a:lstStyle>
+            <a:defPPr>
+              <a:defRPr lang="zh-CN"/>
+            </a:defPPr>
+            <a:lvl1pPr marL="0" algn="l" defTabSz="914400" rtl="0" eaLnBrk="1" latinLnBrk="0" hangingPunct="1">
+              <a:defRPr sz="1800" kern="1200">
+                <a:solidFill>
+                  <a:schemeClr val="tx1"/>
+                </a:solidFill>
+                <a:latin typeface="+mn-lt"/>
+                <a:ea typeface="+mn-ea"/>
+                <a:cs typeface="+mn-cs"/>
+              </a:defRPr>
+            </a:lvl1pPr>
+            <a:lvl2pPr marL="457200" algn="l" defTabSz="914400" rtl="0" eaLnBrk="1" latinLnBrk="0" hangingPunct="1">
+              <a:defRPr sz="1800" kern="1200">
+                <a:solidFill>
+                  <a:schemeClr val="tx1"/>
+                </a:solidFill>
+                <a:latin typeface="+mn-lt"/>
+                <a:ea typeface="+mn-ea"/>
+                <a:cs typeface="+mn-cs"/>
+              </a:defRPr>
+            </a:lvl2pPr>
+            <a:lvl3pPr marL="914400" algn="l" defTabSz="914400" rtl="0" eaLnBrk="1" latinLnBrk="0" hangingPunct="1">
+              <a:defRPr sz="1800" kern="1200">
+                <a:solidFill>
+                  <a:schemeClr val="tx1"/>
+                </a:solidFill>
+                <a:latin typeface="+mn-lt"/>
+                <a:ea typeface="+mn-ea"/>
+                <a:cs typeface="+mn-cs"/>
+              </a:defRPr>
+            </a:lvl3pPr>
+            <a:lvl4pPr marL="1371600" algn="l" defTabSz="914400" rtl="0" eaLnBrk="1" latinLnBrk="0" hangingPunct="1">
+              <a:defRPr sz="1800" kern="1200">
+                <a:solidFill>
+                  <a:schemeClr val="tx1"/>
+                </a:solidFill>
+                <a:latin typeface="+mn-lt"/>
+                <a:ea typeface="+mn-ea"/>
+                <a:cs typeface="+mn-cs"/>
+              </a:defRPr>
+            </a:lvl4pPr>
+            <a:lvl5pPr marL="1828800" algn="l" defTabSz="914400" rtl="0" eaLnBrk="1" latinLnBrk="0" hangingPunct="1">
+              <a:defRPr sz="1800" kern="1200">
+                <a:solidFill>
+                  <a:schemeClr val="tx1"/>
+                </a:solidFill>
+                <a:latin typeface="+mn-lt"/>
+                <a:ea typeface="+mn-ea"/>
+                <a:cs typeface="+mn-cs"/>
+              </a:defRPr>
+            </a:lvl5pPr>
+            <a:lvl6pPr marL="2286000" algn="l" defTabSz="914400" rtl="0" eaLnBrk="1" latinLnBrk="0" hangingPunct="1">
+              <a:defRPr sz="1800" kern="1200">
+                <a:solidFill>
+                  <a:schemeClr val="tx1"/>
+                </a:solidFill>
+                <a:latin typeface="+mn-lt"/>
+                <a:ea typeface="+mn-ea"/>
+                <a:cs typeface="+mn-cs"/>
+              </a:defRPr>
+            </a:lvl6pPr>
+            <a:lvl7pPr marL="2743200" algn="l" defTabSz="914400" rtl="0" eaLnBrk="1" latinLnBrk="0" hangingPunct="1">
+              <a:defRPr sz="1800" kern="1200">
+                <a:solidFill>
+                  <a:schemeClr val="tx1"/>
+                </a:solidFill>
+                <a:latin typeface="+mn-lt"/>
+                <a:ea typeface="+mn-ea"/>
+                <a:cs typeface="+mn-cs"/>
+              </a:defRPr>
+            </a:lvl7pPr>
+            <a:lvl8pPr marL="3200400" algn="l" defTabSz="914400" rtl="0" eaLnBrk="1" latinLnBrk="0" hangingPunct="1">
+              <a:defRPr sz="1800" kern="1200">
+                <a:solidFill>
+                  <a:schemeClr val="tx1"/>
+                </a:solidFill>
+                <a:latin typeface="+mn-lt"/>
+                <a:ea typeface="+mn-ea"/>
+                <a:cs typeface="+mn-cs"/>
+              </a:defRPr>
+            </a:lvl8pPr>
+            <a:lvl9pPr marL="3657600" algn="l" defTabSz="914400" rtl="0" eaLnBrk="1" latinLnBrk="0" hangingPunct="1">
+              <a:defRPr sz="1800" kern="1200">
+                <a:solidFill>
+                  <a:schemeClr val="tx1"/>
+                </a:solidFill>
+                <a:latin typeface="+mn-lt"/>
+                <a:ea typeface="+mn-ea"/>
+                <a:cs typeface="+mn-cs"/>
+              </a:defRPr>
+            </a:lvl9pPr>
+          </a:lstStyle>
+          <a:p>
+            <a:pPr algn="l"/>
+            <a:r>
+              <a:rPr lang="zh-CN" altLang="en-US" sz="1050" b="1" dirty="0">
+                <a:solidFill>
+                  <a:srgbClr val="FF0000"/>
+                </a:solidFill>
+              </a:rPr>
+              <a:t>观察</a:t>
+            </a:r>
+            <a:endParaRPr lang="en-US" altLang="zh-CN" sz="1050" b="1" dirty="0">
+              <a:solidFill>
+                <a:srgbClr val="FF0000"/>
+              </a:solidFill>
+            </a:endParaRPr>
+          </a:p>
+          <a:p>
+            <a:pPr marL="228600" indent="-228600">
+              <a:buAutoNum type="arabicPeriod"/>
+            </a:pPr>
+            <a:r>
+              <a:rPr lang="zh-CN" altLang="en-US" sz="1050" dirty="0"/>
+              <a:t>去掉灰色的背景之后，</a:t>
+            </a:r>
+            <a:r>
+              <a:rPr lang="en-US" altLang="zh-CN" sz="1050" dirty="0"/>
+              <a:t>SSIM</a:t>
+            </a:r>
+            <a:r>
+              <a:rPr lang="zh-CN" altLang="en-US" sz="1050" dirty="0"/>
+              <a:t>有一个上升的趋势</a:t>
+            </a:r>
+            <a:endParaRPr lang="en-US" altLang="zh-CN" sz="1050" dirty="0"/>
+          </a:p>
+          <a:p>
+            <a:pPr marL="228600" indent="-228600">
+              <a:buFontTx/>
+              <a:buAutoNum type="arabicPeriod"/>
+            </a:pPr>
+            <a:r>
+              <a:rPr lang="zh-CN" altLang="en-US" sz="1050" dirty="0"/>
+              <a:t>随机初始值对照仍然得到很好的结果，即使肉眼观感十分相似</a:t>
+            </a:r>
+            <a:endParaRPr lang="en-US" altLang="zh-CN" sz="1050" dirty="0"/>
+          </a:p>
+          <a:p>
+            <a:pPr marL="228600" indent="-228600">
+              <a:buFontTx/>
+              <a:buAutoNum type="arabicPeriod"/>
+            </a:pPr>
+            <a:r>
+              <a:rPr lang="zh-CN" altLang="en-US" sz="1050" dirty="0"/>
+              <a:t>根据 </a:t>
+            </a:r>
+            <a:r>
+              <a:rPr lang="en-US" altLang="zh-CN" sz="1050" dirty="0"/>
+              <a:t>SSIM </a:t>
+            </a:r>
+            <a:r>
+              <a:rPr lang="zh-CN" altLang="en-US" sz="1050" dirty="0"/>
+              <a:t>的定义，该指标关注的是亮度、对比度和结构三个不同因素的组合，但是我们的偏好图片亮度、对比度似乎一致性较高</a:t>
+            </a:r>
+            <a:endParaRPr lang="en-US" altLang="zh-CN" sz="1050" dirty="0"/>
+          </a:p>
+          <a:p>
+            <a:r>
+              <a:rPr lang="zh-CN" altLang="en-US" sz="1050" b="1" dirty="0">
+                <a:solidFill>
+                  <a:srgbClr val="FF0000"/>
+                </a:solidFill>
+              </a:rPr>
+              <a:t>思考与结论</a:t>
+            </a:r>
+            <a:endParaRPr lang="en-US" altLang="zh-CN" sz="1050" b="1" dirty="0">
+              <a:solidFill>
+                <a:srgbClr val="FF0000"/>
+              </a:solidFill>
+            </a:endParaRPr>
+          </a:p>
+          <a:p>
+            <a:pPr marL="228600" indent="-228600">
+              <a:buAutoNum type="arabicPeriod"/>
+            </a:pPr>
+            <a:r>
+              <a:rPr lang="en-US" altLang="zh-CN" sz="1050" dirty="0"/>
+              <a:t>Mask </a:t>
+            </a:r>
+            <a:r>
+              <a:rPr lang="zh-CN" altLang="en-US" sz="1050" dirty="0"/>
+              <a:t>后只是把灰色背景变成置为 </a:t>
+            </a:r>
+            <a:r>
+              <a:rPr lang="en-US" altLang="zh-CN" sz="1050" dirty="0"/>
+              <a:t>0</a:t>
+            </a:r>
+            <a:r>
+              <a:rPr lang="zh-CN" altLang="en-US" sz="1050" dirty="0"/>
+              <a:t>，似乎还是没有解决根本问题</a:t>
+            </a:r>
+            <a:endParaRPr lang="en-US" altLang="zh-CN" sz="1050" dirty="0"/>
+          </a:p>
+          <a:p>
+            <a:pPr marL="228600" indent="-228600">
+              <a:buAutoNum type="arabicPeriod"/>
+            </a:pPr>
+            <a:r>
+              <a:rPr lang="zh-CN" altLang="en-US" sz="1050" dirty="0"/>
+              <a:t>我们需要有另一种指标来评估模型的结果</a:t>
+            </a:r>
+            <a:endParaRPr lang="en-US" altLang="zh-CN" sz="1050" dirty="0"/>
+          </a:p>
+          <a:p>
+            <a:pPr marL="228600" indent="-228600">
+              <a:buFont typeface="+mj-lt"/>
+              <a:buAutoNum type="arabicPeriod"/>
+            </a:pPr>
+            <a:endParaRPr lang="en-US" altLang="zh-CN" sz="1050" dirty="0"/>
+          </a:p>
+          <a:p>
+            <a:pPr marL="228600" indent="-228600">
+              <a:buFont typeface="+mj-lt"/>
+              <a:buAutoNum type="arabicPeriod"/>
+            </a:pPr>
+            <a:endParaRPr lang="en-US" altLang="zh-CN" sz="1050" b="1" dirty="0">
+              <a:solidFill>
+                <a:srgbClr val="FF0000"/>
+              </a:solidFill>
+            </a:endParaRPr>
+          </a:p>
+        </p:txBody>
+      </p:sp>
+      <p:pic>
+        <p:nvPicPr>
+          <p:cNvPr id="13" name="图片 12">
+            <a:extLst>
+              <a:ext uri="{FF2B5EF4-FFF2-40B4-BE49-F238E27FC236}">
+                <a16:creationId xmlns:a16="http://schemas.microsoft.com/office/drawing/2014/main" id="{E4F0E1D9-2E14-432A-A8A7-C9BAAA0815B3}"/>
+              </a:ext>
+            </a:extLst>
+          </p:cNvPr>
+          <p:cNvPicPr>
+            <a:picLocks noChangeAspect="1"/>
+          </p:cNvPicPr>
+          <p:nvPr/>
+        </p:nvPicPr>
+        <p:blipFill>
+          <a:blip r:embed="rId3"/>
+          <a:stretch>
+            <a:fillRect/>
+          </a:stretch>
+        </p:blipFill>
+        <p:spPr>
+          <a:xfrm>
+            <a:off x="6096000" y="2090000"/>
+            <a:ext cx="4132690" cy="3065330"/>
+          </a:xfrm>
+          <a:prstGeom prst="rect">
+            <a:avLst/>
+          </a:prstGeom>
+        </p:spPr>
+      </p:pic>
     </p:spTree>
     <p:extLst>
       <p:ext uri="{BB962C8B-B14F-4D97-AF65-F5344CB8AC3E}">
@@ -7569,10 +8483,10 @@
       </p:grpSpPr>
       <p:pic>
         <p:nvPicPr>
-          <p:cNvPr id="4" name="图片 3">
+          <p:cNvPr id="3" name="图片 2">
             <a:extLst>
               <a:ext uri="{FF2B5EF4-FFF2-40B4-BE49-F238E27FC236}">
-                <a16:creationId xmlns:a16="http://schemas.microsoft.com/office/drawing/2014/main" id="{5CDB29DE-9715-4384-B090-B2667C82528F}"/>
+                <a16:creationId xmlns:a16="http://schemas.microsoft.com/office/drawing/2014/main" id="{BAAD9142-3224-4008-817E-4DC279984B22}"/>
               </a:ext>
             </a:extLst>
           </p:cNvPr>
@@ -7589,8 +8503,1056 @@
         </p:blipFill>
         <p:spPr>
           <a:xfrm>
-            <a:off x="88776" y="834501"/>
-            <a:ext cx="6791770" cy="5029200"/>
+            <a:off x="247276" y="1775806"/>
+            <a:ext cx="3934199" cy="2482899"/>
+          </a:xfrm>
+          <a:prstGeom prst="rect">
+            <a:avLst/>
+          </a:prstGeom>
+        </p:spPr>
+      </p:pic>
+      <p:sp>
+        <p:nvSpPr>
+          <p:cNvPr id="5" name="矩形 4">
+            <a:extLst>
+              <a:ext uri="{FF2B5EF4-FFF2-40B4-BE49-F238E27FC236}">
+                <a16:creationId xmlns:a16="http://schemas.microsoft.com/office/drawing/2014/main" id="{269E7107-5A38-45EA-93BB-72D95FA109AD}"/>
+              </a:ext>
+            </a:extLst>
+          </p:cNvPr>
+          <p:cNvSpPr/>
+          <p:nvPr/>
+        </p:nvSpPr>
+        <p:spPr>
+          <a:xfrm>
+            <a:off x="247276" y="197291"/>
+            <a:ext cx="6096000" cy="646331"/>
+          </a:xfrm>
+          <a:prstGeom prst="rect">
+            <a:avLst/>
+          </a:prstGeom>
+        </p:spPr>
+        <p:txBody>
+          <a:bodyPr>
+            <a:spAutoFit/>
+          </a:bodyPr>
+          <a:lstStyle/>
+          <a:p>
+            <a:r>
+              <a:rPr lang="zh-CN" altLang="en-US" dirty="0">
+                <a:solidFill>
+                  <a:srgbClr val="FF0000"/>
+                </a:solidFill>
+              </a:rPr>
+              <a:t>工作</a:t>
+            </a:r>
+            <a:r>
+              <a:rPr lang="en-US" altLang="zh-CN" dirty="0">
+                <a:solidFill>
+                  <a:srgbClr val="FF0000"/>
+                </a:solidFill>
+              </a:rPr>
+              <a:t>2</a:t>
+            </a:r>
+            <a:r>
+              <a:rPr lang="zh-CN" altLang="en-US" dirty="0">
+                <a:solidFill>
+                  <a:srgbClr val="FF0000"/>
+                </a:solidFill>
+              </a:rPr>
+              <a:t>：</a:t>
+            </a:r>
+            <a:r>
+              <a:rPr lang="zh-CN" altLang="en-US" dirty="0"/>
+              <a:t>评价指标的探究</a:t>
+            </a:r>
+            <a:endParaRPr lang="en-US" altLang="zh-CN" dirty="0"/>
+          </a:p>
+          <a:p>
+            <a:r>
+              <a:rPr lang="zh-CN" altLang="en-US" dirty="0">
+                <a:solidFill>
+                  <a:srgbClr val="FF0000"/>
+                </a:solidFill>
+              </a:rPr>
+              <a:t>目的</a:t>
+            </a:r>
+            <a:r>
+              <a:rPr lang="zh-CN" altLang="en-US" dirty="0"/>
+              <a:t>：找到合适的评估指标</a:t>
+            </a:r>
+            <a:endParaRPr lang="en-US" altLang="zh-CN" dirty="0"/>
+          </a:p>
+        </p:txBody>
+      </p:sp>
+      <p:sp>
+        <p:nvSpPr>
+          <p:cNvPr id="6" name="文本框 7">
+            <a:extLst>
+              <a:ext uri="{FF2B5EF4-FFF2-40B4-BE49-F238E27FC236}">
+                <a16:creationId xmlns:a16="http://schemas.microsoft.com/office/drawing/2014/main" id="{15325E15-1CC1-4208-AB4A-7C10780FE7DD}"/>
+              </a:ext>
+            </a:extLst>
+          </p:cNvPr>
+          <p:cNvSpPr txBox="1"/>
+          <p:nvPr/>
+        </p:nvSpPr>
+        <p:spPr>
+          <a:xfrm>
+            <a:off x="247277" y="976069"/>
+            <a:ext cx="5562974" cy="788400"/>
+          </a:xfrm>
+          <a:prstGeom prst="rect">
+            <a:avLst/>
+          </a:prstGeom>
+          <a:noFill/>
+          <a:ln>
+            <a:solidFill>
+              <a:schemeClr val="tx1"/>
+            </a:solidFill>
+          </a:ln>
+        </p:spPr>
+        <p:txBody>
+          <a:bodyPr wrap="square" rtlCol="0">
+            <a:spAutoFit/>
+          </a:bodyPr>
+          <a:lstStyle>
+            <a:defPPr>
+              <a:defRPr lang="zh-CN"/>
+            </a:defPPr>
+            <a:lvl1pPr marL="0" algn="l" defTabSz="914400" rtl="0" eaLnBrk="1" latinLnBrk="0" hangingPunct="1">
+              <a:defRPr sz="1800" kern="1200">
+                <a:solidFill>
+                  <a:schemeClr val="tx1"/>
+                </a:solidFill>
+                <a:latin typeface="+mn-lt"/>
+                <a:ea typeface="+mn-ea"/>
+                <a:cs typeface="+mn-cs"/>
+              </a:defRPr>
+            </a:lvl1pPr>
+            <a:lvl2pPr marL="457200" algn="l" defTabSz="914400" rtl="0" eaLnBrk="1" latinLnBrk="0" hangingPunct="1">
+              <a:defRPr sz="1800" kern="1200">
+                <a:solidFill>
+                  <a:schemeClr val="tx1"/>
+                </a:solidFill>
+                <a:latin typeface="+mn-lt"/>
+                <a:ea typeface="+mn-ea"/>
+                <a:cs typeface="+mn-cs"/>
+              </a:defRPr>
+            </a:lvl2pPr>
+            <a:lvl3pPr marL="914400" algn="l" defTabSz="914400" rtl="0" eaLnBrk="1" latinLnBrk="0" hangingPunct="1">
+              <a:defRPr sz="1800" kern="1200">
+                <a:solidFill>
+                  <a:schemeClr val="tx1"/>
+                </a:solidFill>
+                <a:latin typeface="+mn-lt"/>
+                <a:ea typeface="+mn-ea"/>
+                <a:cs typeface="+mn-cs"/>
+              </a:defRPr>
+            </a:lvl3pPr>
+            <a:lvl4pPr marL="1371600" algn="l" defTabSz="914400" rtl="0" eaLnBrk="1" latinLnBrk="0" hangingPunct="1">
+              <a:defRPr sz="1800" kern="1200">
+                <a:solidFill>
+                  <a:schemeClr val="tx1"/>
+                </a:solidFill>
+                <a:latin typeface="+mn-lt"/>
+                <a:ea typeface="+mn-ea"/>
+                <a:cs typeface="+mn-cs"/>
+              </a:defRPr>
+            </a:lvl4pPr>
+            <a:lvl5pPr marL="1828800" algn="l" defTabSz="914400" rtl="0" eaLnBrk="1" latinLnBrk="0" hangingPunct="1">
+              <a:defRPr sz="1800" kern="1200">
+                <a:solidFill>
+                  <a:schemeClr val="tx1"/>
+                </a:solidFill>
+                <a:latin typeface="+mn-lt"/>
+                <a:ea typeface="+mn-ea"/>
+                <a:cs typeface="+mn-cs"/>
+              </a:defRPr>
+            </a:lvl5pPr>
+            <a:lvl6pPr marL="2286000" algn="l" defTabSz="914400" rtl="0" eaLnBrk="1" latinLnBrk="0" hangingPunct="1">
+              <a:defRPr sz="1800" kern="1200">
+                <a:solidFill>
+                  <a:schemeClr val="tx1"/>
+                </a:solidFill>
+                <a:latin typeface="+mn-lt"/>
+                <a:ea typeface="+mn-ea"/>
+                <a:cs typeface="+mn-cs"/>
+              </a:defRPr>
+            </a:lvl6pPr>
+            <a:lvl7pPr marL="2743200" algn="l" defTabSz="914400" rtl="0" eaLnBrk="1" latinLnBrk="0" hangingPunct="1">
+              <a:defRPr sz="1800" kern="1200">
+                <a:solidFill>
+                  <a:schemeClr val="tx1"/>
+                </a:solidFill>
+                <a:latin typeface="+mn-lt"/>
+                <a:ea typeface="+mn-ea"/>
+                <a:cs typeface="+mn-cs"/>
+              </a:defRPr>
+            </a:lvl7pPr>
+            <a:lvl8pPr marL="3200400" algn="l" defTabSz="914400" rtl="0" eaLnBrk="1" latinLnBrk="0" hangingPunct="1">
+              <a:defRPr sz="1800" kern="1200">
+                <a:solidFill>
+                  <a:schemeClr val="tx1"/>
+                </a:solidFill>
+                <a:latin typeface="+mn-lt"/>
+                <a:ea typeface="+mn-ea"/>
+                <a:cs typeface="+mn-cs"/>
+              </a:defRPr>
+            </a:lvl8pPr>
+            <a:lvl9pPr marL="3657600" algn="l" defTabSz="914400" rtl="0" eaLnBrk="1" latinLnBrk="0" hangingPunct="1">
+              <a:defRPr sz="1800" kern="1200">
+                <a:solidFill>
+                  <a:schemeClr val="tx1"/>
+                </a:solidFill>
+                <a:latin typeface="+mn-lt"/>
+                <a:ea typeface="+mn-ea"/>
+                <a:cs typeface="+mn-cs"/>
+              </a:defRPr>
+            </a:lvl9pPr>
+          </a:lstStyle>
+          <a:p>
+            <a:pPr algn="l"/>
+            <a:r>
+              <a:rPr lang="zh-CN" altLang="en-US" sz="1050" b="1" dirty="0">
+                <a:solidFill>
+                  <a:srgbClr val="FF0000"/>
+                </a:solidFill>
+              </a:rPr>
+              <a:t>详细说明</a:t>
+            </a:r>
+            <a:endParaRPr lang="en-US" altLang="zh-CN" sz="1050" b="1" dirty="0">
+              <a:solidFill>
+                <a:srgbClr val="FF0000"/>
+              </a:solidFill>
+            </a:endParaRPr>
+          </a:p>
+          <a:p>
+            <a:r>
+              <a:rPr lang="zh-CN" altLang="en-US" sz="1100" dirty="0"/>
+              <a:t>通过查阅资料发现了</a:t>
+            </a:r>
+            <a:r>
+              <a:rPr lang="en-US" altLang="zh-CN" sz="1100" dirty="0"/>
+              <a:t>2021</a:t>
+            </a:r>
+            <a:r>
+              <a:rPr lang="zh-CN" altLang="en-US" sz="1100" dirty="0"/>
+              <a:t>年</a:t>
+            </a:r>
+            <a:r>
+              <a:rPr lang="en-US" altLang="zh-CN" sz="1100" dirty="0" err="1"/>
+              <a:t>OpenAI</a:t>
+            </a:r>
+            <a:r>
+              <a:rPr lang="en-US" altLang="zh-CN" sz="1100" dirty="0"/>
+              <a:t> </a:t>
+            </a:r>
+            <a:r>
+              <a:rPr lang="zh-CN" altLang="en-US" sz="1100" dirty="0"/>
+              <a:t>提出了一种基于深度学习的模型 </a:t>
+            </a:r>
+            <a:r>
+              <a:rPr lang="en-US" altLang="zh-CN" sz="1100" b="1" dirty="0"/>
+              <a:t>CLIP</a:t>
+            </a:r>
+            <a:r>
+              <a:rPr lang="en-US" altLang="zh-CN" sz="1100" dirty="0"/>
+              <a:t>,  </a:t>
+            </a:r>
+            <a:r>
+              <a:rPr lang="zh-CN" altLang="en-US" sz="1100" dirty="0"/>
+              <a:t>其中涉及一个</a:t>
+            </a:r>
+            <a:r>
+              <a:rPr lang="en-US" altLang="zh-CN" sz="1100" dirty="0"/>
+              <a:t>Image Encoder</a:t>
+            </a:r>
+            <a:r>
+              <a:rPr lang="zh-CN" altLang="en-US" sz="1100" dirty="0"/>
+              <a:t>能有效地把一张图片转化成一个向量。因此图像之间相似性的度量主要的可以通过计算两幅图像中特征向量的余弦相似性或欧几里得距离来实现的。</a:t>
+            </a:r>
+          </a:p>
+          <a:p>
+            <a:endParaRPr lang="zh-CN" altLang="en-US" sz="1100" b="1" dirty="0"/>
+          </a:p>
+        </p:txBody>
+      </p:sp>
+      <p:pic>
+        <p:nvPicPr>
+          <p:cNvPr id="2" name="图片 1">
+            <a:extLst>
+              <a:ext uri="{FF2B5EF4-FFF2-40B4-BE49-F238E27FC236}">
+                <a16:creationId xmlns:a16="http://schemas.microsoft.com/office/drawing/2014/main" id="{7501FE1F-374F-4433-9818-FD3B2488504E}"/>
+              </a:ext>
+            </a:extLst>
+          </p:cNvPr>
+          <p:cNvPicPr>
+            <a:picLocks noChangeAspect="1"/>
+          </p:cNvPicPr>
+          <p:nvPr/>
+        </p:nvPicPr>
+        <p:blipFill>
+          <a:blip r:embed="rId3"/>
+          <a:stretch>
+            <a:fillRect/>
+          </a:stretch>
+        </p:blipFill>
+        <p:spPr>
+          <a:xfrm>
+            <a:off x="114249" y="4362122"/>
+            <a:ext cx="4781601" cy="2298587"/>
+          </a:xfrm>
+          <a:prstGeom prst="rect">
+            <a:avLst/>
+          </a:prstGeom>
+        </p:spPr>
+      </p:pic>
+      <p:sp>
+        <p:nvSpPr>
+          <p:cNvPr id="7" name="文本框 7">
+            <a:extLst>
+              <a:ext uri="{FF2B5EF4-FFF2-40B4-BE49-F238E27FC236}">
+                <a16:creationId xmlns:a16="http://schemas.microsoft.com/office/drawing/2014/main" id="{FE663B03-E6FD-4009-A7BE-C51BD95D9E2D}"/>
+              </a:ext>
+            </a:extLst>
+          </p:cNvPr>
+          <p:cNvSpPr txBox="1"/>
+          <p:nvPr/>
+        </p:nvSpPr>
+        <p:spPr>
+          <a:xfrm>
+            <a:off x="6096002" y="425806"/>
+            <a:ext cx="4093028" cy="1869743"/>
+          </a:xfrm>
+          <a:prstGeom prst="rect">
+            <a:avLst/>
+          </a:prstGeom>
+          <a:noFill/>
+          <a:ln>
+            <a:solidFill>
+              <a:schemeClr val="tx1"/>
+            </a:solidFill>
+          </a:ln>
+        </p:spPr>
+        <p:txBody>
+          <a:bodyPr wrap="square" rtlCol="0">
+            <a:spAutoFit/>
+          </a:bodyPr>
+          <a:lstStyle>
+            <a:defPPr>
+              <a:defRPr lang="zh-CN"/>
+            </a:defPPr>
+            <a:lvl1pPr marL="0" algn="l" defTabSz="914400" rtl="0" eaLnBrk="1" latinLnBrk="0" hangingPunct="1">
+              <a:defRPr sz="1800" kern="1200">
+                <a:solidFill>
+                  <a:schemeClr val="tx1"/>
+                </a:solidFill>
+                <a:latin typeface="+mn-lt"/>
+                <a:ea typeface="+mn-ea"/>
+                <a:cs typeface="+mn-cs"/>
+              </a:defRPr>
+            </a:lvl1pPr>
+            <a:lvl2pPr marL="457200" algn="l" defTabSz="914400" rtl="0" eaLnBrk="1" latinLnBrk="0" hangingPunct="1">
+              <a:defRPr sz="1800" kern="1200">
+                <a:solidFill>
+                  <a:schemeClr val="tx1"/>
+                </a:solidFill>
+                <a:latin typeface="+mn-lt"/>
+                <a:ea typeface="+mn-ea"/>
+                <a:cs typeface="+mn-cs"/>
+              </a:defRPr>
+            </a:lvl2pPr>
+            <a:lvl3pPr marL="914400" algn="l" defTabSz="914400" rtl="0" eaLnBrk="1" latinLnBrk="0" hangingPunct="1">
+              <a:defRPr sz="1800" kern="1200">
+                <a:solidFill>
+                  <a:schemeClr val="tx1"/>
+                </a:solidFill>
+                <a:latin typeface="+mn-lt"/>
+                <a:ea typeface="+mn-ea"/>
+                <a:cs typeface="+mn-cs"/>
+              </a:defRPr>
+            </a:lvl3pPr>
+            <a:lvl4pPr marL="1371600" algn="l" defTabSz="914400" rtl="0" eaLnBrk="1" latinLnBrk="0" hangingPunct="1">
+              <a:defRPr sz="1800" kern="1200">
+                <a:solidFill>
+                  <a:schemeClr val="tx1"/>
+                </a:solidFill>
+                <a:latin typeface="+mn-lt"/>
+                <a:ea typeface="+mn-ea"/>
+                <a:cs typeface="+mn-cs"/>
+              </a:defRPr>
+            </a:lvl4pPr>
+            <a:lvl5pPr marL="1828800" algn="l" defTabSz="914400" rtl="0" eaLnBrk="1" latinLnBrk="0" hangingPunct="1">
+              <a:defRPr sz="1800" kern="1200">
+                <a:solidFill>
+                  <a:schemeClr val="tx1"/>
+                </a:solidFill>
+                <a:latin typeface="+mn-lt"/>
+                <a:ea typeface="+mn-ea"/>
+                <a:cs typeface="+mn-cs"/>
+              </a:defRPr>
+            </a:lvl5pPr>
+            <a:lvl6pPr marL="2286000" algn="l" defTabSz="914400" rtl="0" eaLnBrk="1" latinLnBrk="0" hangingPunct="1">
+              <a:defRPr sz="1800" kern="1200">
+                <a:solidFill>
+                  <a:schemeClr val="tx1"/>
+                </a:solidFill>
+                <a:latin typeface="+mn-lt"/>
+                <a:ea typeface="+mn-ea"/>
+                <a:cs typeface="+mn-cs"/>
+              </a:defRPr>
+            </a:lvl6pPr>
+            <a:lvl7pPr marL="2743200" algn="l" defTabSz="914400" rtl="0" eaLnBrk="1" latinLnBrk="0" hangingPunct="1">
+              <a:defRPr sz="1800" kern="1200">
+                <a:solidFill>
+                  <a:schemeClr val="tx1"/>
+                </a:solidFill>
+                <a:latin typeface="+mn-lt"/>
+                <a:ea typeface="+mn-ea"/>
+                <a:cs typeface="+mn-cs"/>
+              </a:defRPr>
+            </a:lvl7pPr>
+            <a:lvl8pPr marL="3200400" algn="l" defTabSz="914400" rtl="0" eaLnBrk="1" latinLnBrk="0" hangingPunct="1">
+              <a:defRPr sz="1800" kern="1200">
+                <a:solidFill>
+                  <a:schemeClr val="tx1"/>
+                </a:solidFill>
+                <a:latin typeface="+mn-lt"/>
+                <a:ea typeface="+mn-ea"/>
+                <a:cs typeface="+mn-cs"/>
+              </a:defRPr>
+            </a:lvl8pPr>
+            <a:lvl9pPr marL="3657600" algn="l" defTabSz="914400" rtl="0" eaLnBrk="1" latinLnBrk="0" hangingPunct="1">
+              <a:defRPr sz="1800" kern="1200">
+                <a:solidFill>
+                  <a:schemeClr val="tx1"/>
+                </a:solidFill>
+                <a:latin typeface="+mn-lt"/>
+                <a:ea typeface="+mn-ea"/>
+                <a:cs typeface="+mn-cs"/>
+              </a:defRPr>
+            </a:lvl9pPr>
+          </a:lstStyle>
+          <a:p>
+            <a:pPr algn="l"/>
+            <a:r>
+              <a:rPr lang="zh-CN" altLang="en-US" sz="1050" b="1" dirty="0">
+                <a:solidFill>
+                  <a:srgbClr val="FF0000"/>
+                </a:solidFill>
+              </a:rPr>
+              <a:t>观察</a:t>
+            </a:r>
+            <a:endParaRPr lang="en-US" altLang="zh-CN" sz="1050" b="1" dirty="0">
+              <a:solidFill>
+                <a:srgbClr val="FF0000"/>
+              </a:solidFill>
+            </a:endParaRPr>
+          </a:p>
+          <a:p>
+            <a:pPr marL="228600" indent="-228600">
+              <a:buFont typeface="+mj-lt"/>
+              <a:buAutoNum type="arabicPeriod"/>
+            </a:pPr>
+            <a:r>
+              <a:rPr lang="zh-CN" altLang="en-US" sz="1050" dirty="0"/>
+              <a:t>引入了</a:t>
+            </a:r>
+            <a:r>
+              <a:rPr lang="en-US" altLang="zh-CN" sz="1050" dirty="0"/>
+              <a:t>CLIP</a:t>
+            </a:r>
+            <a:r>
+              <a:rPr lang="zh-CN" altLang="en-US" sz="1050" dirty="0"/>
+              <a:t>后得到的相似度结果符合我们的观感即在相似度上随机初始值对照 </a:t>
+            </a:r>
+            <a:r>
+              <a:rPr lang="en-US" altLang="zh-CN" sz="1050" dirty="0"/>
+              <a:t>&gt;</a:t>
+            </a:r>
+            <a:r>
+              <a:rPr lang="zh-CN" altLang="en-US" sz="1050" dirty="0"/>
+              <a:t>交叉训练 </a:t>
+            </a:r>
+            <a:r>
+              <a:rPr lang="en-US" altLang="zh-CN" sz="1050" dirty="0"/>
+              <a:t>&gt; </a:t>
+            </a:r>
+            <a:r>
+              <a:rPr lang="zh-CN" altLang="en-US" sz="1050" dirty="0"/>
+              <a:t>单独训练</a:t>
+            </a:r>
+            <a:r>
+              <a:rPr lang="en-US" altLang="zh-CN" sz="1050" dirty="0"/>
+              <a:t> &gt;</a:t>
+            </a:r>
+            <a:r>
+              <a:rPr lang="zh-CN" altLang="en-US" sz="1050" dirty="0"/>
+              <a:t>随机偏好对照</a:t>
+            </a:r>
+            <a:endParaRPr lang="en-US" altLang="zh-CN" sz="1050" dirty="0"/>
+          </a:p>
+          <a:p>
+            <a:pPr marL="228600" indent="-228600">
+              <a:buFont typeface="+mj-lt"/>
+              <a:buAutoNum type="arabicPeriod"/>
+            </a:pPr>
+            <a:r>
+              <a:rPr lang="zh-CN" altLang="en-US" sz="1050" dirty="0"/>
+              <a:t>随机偏好对照的值比较超出预期，区分度不够高</a:t>
+            </a:r>
+            <a:endParaRPr lang="en-US" altLang="zh-CN" sz="1050" dirty="0"/>
+          </a:p>
+          <a:p>
+            <a:r>
+              <a:rPr lang="zh-CN" altLang="en-US" sz="1050" b="1" dirty="0">
+                <a:solidFill>
+                  <a:srgbClr val="FF0000"/>
+                </a:solidFill>
+              </a:rPr>
+              <a:t>思考与结论</a:t>
+            </a:r>
+            <a:endParaRPr lang="en-US" altLang="zh-CN" sz="1050" b="1" dirty="0">
+              <a:solidFill>
+                <a:srgbClr val="FF0000"/>
+              </a:solidFill>
+            </a:endParaRPr>
+          </a:p>
+          <a:p>
+            <a:pPr marL="228600" indent="-228600">
+              <a:buAutoNum type="arabicPeriod"/>
+            </a:pPr>
+            <a:r>
+              <a:rPr lang="zh-CN" altLang="en-US" sz="1050" dirty="0"/>
+              <a:t>从结果来看，交叉训练确实比单独训练更好</a:t>
+            </a:r>
+            <a:endParaRPr lang="en-US" altLang="zh-CN" sz="1050" dirty="0"/>
+          </a:p>
+          <a:p>
+            <a:pPr marL="228600" indent="-228600">
+              <a:buAutoNum type="arabicPeriod"/>
+            </a:pPr>
+            <a:r>
+              <a:rPr lang="zh-CN" altLang="en-US" sz="1050" dirty="0"/>
+              <a:t>单独训练中最低的</a:t>
+            </a:r>
+            <a:r>
+              <a:rPr lang="en-US" altLang="zh-CN" sz="1050" dirty="0"/>
+              <a:t>Similarity </a:t>
+            </a:r>
+            <a:r>
+              <a:rPr lang="zh-CN" altLang="en-US" sz="1050" dirty="0"/>
+              <a:t>比随机还差，说明有部分神经元在单独训练的时候并没有很好的学习到特征。（可能数据质量不佳导致）</a:t>
+            </a:r>
+            <a:endParaRPr lang="en-US" altLang="zh-CN" sz="1050" dirty="0"/>
+          </a:p>
+          <a:p>
+            <a:pPr marL="228600" indent="-228600">
+              <a:buFontTx/>
+              <a:buAutoNum type="arabicPeriod"/>
+            </a:pPr>
+            <a:r>
+              <a:rPr lang="zh-CN" altLang="en-US" sz="1050" dirty="0"/>
+              <a:t>模型在随机初始值对照下相对稳定，侧面证明模型的可重复性</a:t>
+            </a:r>
+            <a:endParaRPr lang="en-US" altLang="zh-CN" sz="1050" dirty="0"/>
+          </a:p>
+          <a:p>
+            <a:pPr marL="228600" indent="-228600">
+              <a:buFont typeface="+mj-lt"/>
+              <a:buAutoNum type="arabicPeriod"/>
+            </a:pPr>
+            <a:endParaRPr lang="en-US" altLang="zh-CN" sz="1050" b="1" dirty="0">
+              <a:solidFill>
+                <a:srgbClr val="FF0000"/>
+              </a:solidFill>
+            </a:endParaRPr>
+          </a:p>
+        </p:txBody>
+      </p:sp>
+      <p:graphicFrame>
+        <p:nvGraphicFramePr>
+          <p:cNvPr id="8" name="表格 7">
+            <a:extLst>
+              <a:ext uri="{FF2B5EF4-FFF2-40B4-BE49-F238E27FC236}">
+                <a16:creationId xmlns:a16="http://schemas.microsoft.com/office/drawing/2014/main" id="{448FE0B6-69ED-48FD-B536-8023BE6A888B}"/>
+              </a:ext>
+            </a:extLst>
+          </p:cNvPr>
+          <p:cNvGraphicFramePr>
+            <a:graphicFrameLocks noGrp="1"/>
+          </p:cNvGraphicFramePr>
+          <p:nvPr>
+            <p:extLst>
+              <p:ext uri="{D42A27DB-BD31-4B8C-83A1-F6EECF244321}">
+                <p14:modId xmlns:p14="http://schemas.microsoft.com/office/powerpoint/2010/main" val="525489745"/>
+              </p:ext>
+            </p:extLst>
+          </p:nvPr>
+        </p:nvGraphicFramePr>
+        <p:xfrm>
+          <a:off x="6095999" y="2420810"/>
+          <a:ext cx="5428372" cy="1657930"/>
+        </p:xfrm>
+        <a:graphic>
+          <a:graphicData uri="http://schemas.openxmlformats.org/drawingml/2006/table">
+            <a:tbl>
+              <a:tblPr firstRow="1" bandRow="1">
+                <a:tableStyleId>{5C22544A-7EE6-4342-B048-85BDC9FD1C3A}</a:tableStyleId>
+              </a:tblPr>
+              <a:tblGrid>
+                <a:gridCol w="1357093">
+                  <a:extLst>
+                    <a:ext uri="{9D8B030D-6E8A-4147-A177-3AD203B41FA5}">
+                      <a16:colId xmlns:a16="http://schemas.microsoft.com/office/drawing/2014/main" val="1280905590"/>
+                    </a:ext>
+                  </a:extLst>
+                </a:gridCol>
+                <a:gridCol w="1357093">
+                  <a:extLst>
+                    <a:ext uri="{9D8B030D-6E8A-4147-A177-3AD203B41FA5}">
+                      <a16:colId xmlns:a16="http://schemas.microsoft.com/office/drawing/2014/main" val="650802497"/>
+                    </a:ext>
+                  </a:extLst>
+                </a:gridCol>
+                <a:gridCol w="1357093">
+                  <a:extLst>
+                    <a:ext uri="{9D8B030D-6E8A-4147-A177-3AD203B41FA5}">
+                      <a16:colId xmlns:a16="http://schemas.microsoft.com/office/drawing/2014/main" val="1397899082"/>
+                    </a:ext>
+                  </a:extLst>
+                </a:gridCol>
+                <a:gridCol w="1357093">
+                  <a:extLst>
+                    <a:ext uri="{9D8B030D-6E8A-4147-A177-3AD203B41FA5}">
+                      <a16:colId xmlns:a16="http://schemas.microsoft.com/office/drawing/2014/main" val="4293060322"/>
+                    </a:ext>
+                  </a:extLst>
+                </a:gridCol>
+              </a:tblGrid>
+              <a:tr h="487626">
+                <a:tc>
+                  <a:txBody>
+                    <a:bodyPr/>
+                    <a:lstStyle/>
+                    <a:p>
+                      <a:endParaRPr lang="zh-CN" altLang="en-US" sz="1200" dirty="0"/>
+                    </a:p>
+                  </a:txBody>
+                  <a:tcPr/>
+                </a:tc>
+                <a:tc>
+                  <a:txBody>
+                    <a:bodyPr/>
+                    <a:lstStyle/>
+                    <a:p>
+                      <a:pPr algn="ctr"/>
+                      <a:r>
+                        <a:rPr lang="en-US" altLang="zh-CN" sz="1200" dirty="0"/>
+                        <a:t>Max Similarity</a:t>
+                      </a:r>
+                      <a:endParaRPr lang="zh-CN" altLang="en-US" sz="1200" dirty="0"/>
+                    </a:p>
+                  </a:txBody>
+                  <a:tcPr/>
+                </a:tc>
+                <a:tc>
+                  <a:txBody>
+                    <a:bodyPr/>
+                    <a:lstStyle/>
+                    <a:p>
+                      <a:pPr algn="ctr"/>
+                      <a:r>
+                        <a:rPr lang="en-US" altLang="zh-CN" sz="1200" dirty="0"/>
+                        <a:t>Min Similarity</a:t>
+                      </a:r>
+                      <a:endParaRPr lang="zh-CN" altLang="en-US" sz="1200" dirty="0"/>
+                    </a:p>
+                  </a:txBody>
+                  <a:tcPr/>
+                </a:tc>
+                <a:tc>
+                  <a:txBody>
+                    <a:bodyPr/>
+                    <a:lstStyle/>
+                    <a:p>
+                      <a:pPr algn="ctr"/>
+                      <a:r>
+                        <a:rPr lang="en-US" altLang="zh-CN" sz="1200" dirty="0"/>
+                        <a:t>Average Similarity</a:t>
+                      </a:r>
+                      <a:endParaRPr lang="zh-CN" altLang="en-US" sz="1200" dirty="0"/>
+                    </a:p>
+                  </a:txBody>
+                  <a:tcPr/>
+                </a:tc>
+                <a:extLst>
+                  <a:ext uri="{0D108BD9-81ED-4DB2-BD59-A6C34878D82A}">
+                    <a16:rowId xmlns:a16="http://schemas.microsoft.com/office/drawing/2014/main" val="3304108294"/>
+                  </a:ext>
+                </a:extLst>
+              </a:tr>
+              <a:tr h="292576">
+                <a:tc>
+                  <a:txBody>
+                    <a:bodyPr/>
+                    <a:lstStyle/>
+                    <a:p>
+                      <a:pPr algn="ctr"/>
+                      <a:r>
+                        <a:rPr lang="zh-CN" altLang="en-US" sz="1200" dirty="0"/>
+                        <a:t>单独训练</a:t>
+                      </a:r>
+                    </a:p>
+                  </a:txBody>
+                  <a:tcPr/>
+                </a:tc>
+                <a:tc>
+                  <a:txBody>
+                    <a:bodyPr/>
+                    <a:lstStyle/>
+                    <a:p>
+                      <a:pPr marL="0" algn="ctr" defTabSz="914400" rtl="0" eaLnBrk="1" latinLnBrk="0" hangingPunct="1"/>
+                      <a:r>
+                        <a:rPr lang="en-US" altLang="zh-CN" sz="1200" kern="1200" dirty="0">
+                          <a:solidFill>
+                            <a:schemeClr val="tx1"/>
+                          </a:solidFill>
+                          <a:latin typeface="+mn-lt"/>
+                          <a:ea typeface="+mn-ea"/>
+                          <a:cs typeface="+mn-cs"/>
+                        </a:rPr>
+                        <a:t>0.9354</a:t>
+                      </a:r>
+                      <a:endParaRPr lang="zh-CN" altLang="en-US" sz="1200" kern="1200" dirty="0">
+                        <a:solidFill>
+                          <a:schemeClr val="tx1"/>
+                        </a:solidFill>
+                        <a:latin typeface="+mn-lt"/>
+                        <a:ea typeface="+mn-ea"/>
+                        <a:cs typeface="+mn-cs"/>
+                      </a:endParaRPr>
+                    </a:p>
+                  </a:txBody>
+                  <a:tcPr/>
+                </a:tc>
+                <a:tc>
+                  <a:txBody>
+                    <a:bodyPr/>
+                    <a:lstStyle/>
+                    <a:p>
+                      <a:pPr algn="ctr"/>
+                      <a:r>
+                        <a:rPr lang="en-US" altLang="zh-CN" sz="1200" dirty="0">
+                          <a:solidFill>
+                            <a:srgbClr val="0070C0"/>
+                          </a:solidFill>
+                        </a:rPr>
+                        <a:t>0.5895</a:t>
+                      </a:r>
+                      <a:endParaRPr lang="zh-CN" altLang="en-US" sz="1200" dirty="0">
+                        <a:solidFill>
+                          <a:srgbClr val="0070C0"/>
+                        </a:solidFill>
+                      </a:endParaRPr>
+                    </a:p>
+                  </a:txBody>
+                  <a:tcPr/>
+                </a:tc>
+                <a:tc>
+                  <a:txBody>
+                    <a:bodyPr/>
+                    <a:lstStyle/>
+                    <a:p>
+                      <a:pPr algn="ctr"/>
+                      <a:r>
+                        <a:rPr lang="en-US" altLang="zh-CN" sz="1200" dirty="0"/>
+                        <a:t>0.8549</a:t>
+                      </a:r>
+                      <a:endParaRPr lang="zh-CN" altLang="en-US" sz="1200" dirty="0"/>
+                    </a:p>
+                  </a:txBody>
+                  <a:tcPr/>
+                </a:tc>
+                <a:extLst>
+                  <a:ext uri="{0D108BD9-81ED-4DB2-BD59-A6C34878D82A}">
+                    <a16:rowId xmlns:a16="http://schemas.microsoft.com/office/drawing/2014/main" val="2801178024"/>
+                  </a:ext>
+                </a:extLst>
+              </a:tr>
+              <a:tr h="292576">
+                <a:tc>
+                  <a:txBody>
+                    <a:bodyPr/>
+                    <a:lstStyle/>
+                    <a:p>
+                      <a:pPr algn="ctr"/>
+                      <a:r>
+                        <a:rPr lang="zh-CN" altLang="en-US" sz="1200" dirty="0"/>
+                        <a:t>交叉训练</a:t>
+                      </a:r>
+                    </a:p>
+                  </a:txBody>
+                  <a:tcPr/>
+                </a:tc>
+                <a:tc>
+                  <a:txBody>
+                    <a:bodyPr/>
+                    <a:lstStyle/>
+                    <a:p>
+                      <a:pPr algn="ctr"/>
+                      <a:r>
+                        <a:rPr lang="en-US" altLang="zh-CN" sz="1200" dirty="0"/>
+                        <a:t>0.9573</a:t>
+                      </a:r>
+                      <a:endParaRPr lang="zh-CN" altLang="en-US" sz="1200" dirty="0"/>
+                    </a:p>
+                  </a:txBody>
+                  <a:tcPr/>
+                </a:tc>
+                <a:tc>
+                  <a:txBody>
+                    <a:bodyPr/>
+                    <a:lstStyle/>
+                    <a:p>
+                      <a:pPr algn="ctr"/>
+                      <a:r>
+                        <a:rPr lang="en-US" altLang="zh-CN" sz="1200" dirty="0"/>
+                        <a:t>0.7505</a:t>
+                      </a:r>
+                      <a:endParaRPr lang="zh-CN" altLang="en-US" sz="1200" dirty="0"/>
+                    </a:p>
+                  </a:txBody>
+                  <a:tcPr/>
+                </a:tc>
+                <a:tc>
+                  <a:txBody>
+                    <a:bodyPr/>
+                    <a:lstStyle/>
+                    <a:p>
+                      <a:pPr algn="ctr"/>
+                      <a:r>
+                        <a:rPr lang="en-US" altLang="zh-CN" sz="1200" dirty="0"/>
+                        <a:t>0.8791</a:t>
+                      </a:r>
+                      <a:endParaRPr lang="zh-CN" altLang="en-US" sz="1200" dirty="0"/>
+                    </a:p>
+                  </a:txBody>
+                  <a:tcPr/>
+                </a:tc>
+                <a:extLst>
+                  <a:ext uri="{0D108BD9-81ED-4DB2-BD59-A6C34878D82A}">
+                    <a16:rowId xmlns:a16="http://schemas.microsoft.com/office/drawing/2014/main" val="867467504"/>
+                  </a:ext>
+                </a:extLst>
+              </a:tr>
+              <a:tr h="292576">
+                <a:tc>
+                  <a:txBody>
+                    <a:bodyPr/>
+                    <a:lstStyle/>
+                    <a:p>
+                      <a:pPr algn="ctr"/>
+                      <a:r>
+                        <a:rPr lang="zh-CN" altLang="en-US" sz="1200" dirty="0"/>
+                        <a:t>随机偏好对照</a:t>
+                      </a:r>
+                    </a:p>
+                  </a:txBody>
+                  <a:tcPr/>
+                </a:tc>
+                <a:tc>
+                  <a:txBody>
+                    <a:bodyPr/>
+                    <a:lstStyle/>
+                    <a:p>
+                      <a:pPr algn="ctr"/>
+                      <a:r>
+                        <a:rPr lang="en-US" altLang="zh-CN" sz="1200" dirty="0">
+                          <a:solidFill>
+                            <a:srgbClr val="0070C0"/>
+                          </a:solidFill>
+                        </a:rPr>
+                        <a:t>0.8953</a:t>
+                      </a:r>
+                      <a:endParaRPr lang="zh-CN" altLang="en-US" sz="1200" dirty="0">
+                        <a:solidFill>
+                          <a:srgbClr val="0070C0"/>
+                        </a:solidFill>
+                      </a:endParaRPr>
+                    </a:p>
+                  </a:txBody>
+                  <a:tcPr/>
+                </a:tc>
+                <a:tc>
+                  <a:txBody>
+                    <a:bodyPr/>
+                    <a:lstStyle/>
+                    <a:p>
+                      <a:pPr algn="ctr"/>
+                      <a:r>
+                        <a:rPr lang="en-US" altLang="zh-CN" sz="1200" dirty="0"/>
+                        <a:t>0.6809</a:t>
+                      </a:r>
+                      <a:endParaRPr lang="zh-CN" altLang="en-US" sz="1200" dirty="0"/>
+                    </a:p>
+                  </a:txBody>
+                  <a:tcPr/>
+                </a:tc>
+                <a:tc>
+                  <a:txBody>
+                    <a:bodyPr/>
+                    <a:lstStyle/>
+                    <a:p>
+                      <a:pPr algn="ctr"/>
+                      <a:r>
+                        <a:rPr lang="en-US" altLang="zh-CN" sz="1200" dirty="0">
+                          <a:solidFill>
+                            <a:srgbClr val="0070C0"/>
+                          </a:solidFill>
+                        </a:rPr>
+                        <a:t>0.8333</a:t>
+                      </a:r>
+                      <a:endParaRPr lang="zh-CN" altLang="en-US" sz="1200" dirty="0">
+                        <a:solidFill>
+                          <a:srgbClr val="0070C0"/>
+                        </a:solidFill>
+                      </a:endParaRPr>
+                    </a:p>
+                  </a:txBody>
+                  <a:tcPr/>
+                </a:tc>
+                <a:extLst>
+                  <a:ext uri="{0D108BD9-81ED-4DB2-BD59-A6C34878D82A}">
+                    <a16:rowId xmlns:a16="http://schemas.microsoft.com/office/drawing/2014/main" val="194705987"/>
+                  </a:ext>
+                </a:extLst>
+              </a:tr>
+              <a:tr h="292576">
+                <a:tc>
+                  <a:txBody>
+                    <a:bodyPr/>
+                    <a:lstStyle/>
+                    <a:p>
+                      <a:pPr algn="ctr"/>
+                      <a:r>
+                        <a:rPr lang="zh-CN" altLang="en-US" sz="1200" dirty="0"/>
+                        <a:t>随机初始值对照</a:t>
+                      </a:r>
+                    </a:p>
+                  </a:txBody>
+                  <a:tcPr/>
+                </a:tc>
+                <a:tc>
+                  <a:txBody>
+                    <a:bodyPr/>
+                    <a:lstStyle/>
+                    <a:p>
+                      <a:pPr algn="ctr"/>
+                      <a:r>
+                        <a:rPr lang="en-US" altLang="zh-CN" sz="1200" dirty="0">
+                          <a:solidFill>
+                            <a:srgbClr val="FF0000"/>
+                          </a:solidFill>
+                        </a:rPr>
+                        <a:t>0.9908</a:t>
+                      </a:r>
+                      <a:endParaRPr lang="zh-CN" altLang="en-US" sz="1200" dirty="0">
+                        <a:solidFill>
+                          <a:srgbClr val="FF0000"/>
+                        </a:solidFill>
+                      </a:endParaRPr>
+                    </a:p>
+                  </a:txBody>
+                  <a:tcPr/>
+                </a:tc>
+                <a:tc>
+                  <a:txBody>
+                    <a:bodyPr/>
+                    <a:lstStyle/>
+                    <a:p>
+                      <a:pPr algn="ctr"/>
+                      <a:r>
+                        <a:rPr lang="en-US" altLang="zh-CN" sz="1200" dirty="0">
+                          <a:solidFill>
+                            <a:srgbClr val="FF0000"/>
+                          </a:solidFill>
+                        </a:rPr>
+                        <a:t>0.9247</a:t>
+                      </a:r>
+                      <a:endParaRPr lang="zh-CN" altLang="en-US" sz="1200" dirty="0">
+                        <a:solidFill>
+                          <a:srgbClr val="FF0000"/>
+                        </a:solidFill>
+                      </a:endParaRPr>
+                    </a:p>
+                  </a:txBody>
+                  <a:tcPr/>
+                </a:tc>
+                <a:tc>
+                  <a:txBody>
+                    <a:bodyPr/>
+                    <a:lstStyle/>
+                    <a:p>
+                      <a:pPr algn="ctr"/>
+                      <a:r>
+                        <a:rPr lang="en-US" altLang="zh-CN" sz="1200" dirty="0">
+                          <a:solidFill>
+                            <a:srgbClr val="FF0000"/>
+                          </a:solidFill>
+                        </a:rPr>
+                        <a:t>0.9718</a:t>
+                      </a:r>
+                      <a:endParaRPr lang="zh-CN" altLang="en-US" sz="1200" dirty="0">
+                        <a:solidFill>
+                          <a:srgbClr val="FF0000"/>
+                        </a:solidFill>
+                      </a:endParaRPr>
+                    </a:p>
+                  </a:txBody>
+                  <a:tcPr/>
+                </a:tc>
+                <a:extLst>
+                  <a:ext uri="{0D108BD9-81ED-4DB2-BD59-A6C34878D82A}">
+                    <a16:rowId xmlns:a16="http://schemas.microsoft.com/office/drawing/2014/main" val="1326727396"/>
+                  </a:ext>
+                </a:extLst>
+              </a:tr>
+            </a:tbl>
+          </a:graphicData>
+        </a:graphic>
+      </p:graphicFrame>
+      <p:pic>
+        <p:nvPicPr>
+          <p:cNvPr id="11" name="图片 10">
+            <a:extLst>
+              <a:ext uri="{FF2B5EF4-FFF2-40B4-BE49-F238E27FC236}">
+                <a16:creationId xmlns:a16="http://schemas.microsoft.com/office/drawing/2014/main" id="{09C1D28C-5E2F-44A6-A72B-B73415348247}"/>
+              </a:ext>
+            </a:extLst>
+          </p:cNvPr>
+          <p:cNvPicPr>
+            <a:picLocks noChangeAspect="1"/>
+          </p:cNvPicPr>
+          <p:nvPr/>
+        </p:nvPicPr>
+        <p:blipFill>
+          <a:blip r:embed="rId4">
+            <a:extLst>
+              <a:ext uri="{28A0092B-C50C-407E-A947-70E740481C1C}">
+                <a14:useLocalDpi xmlns:a14="http://schemas.microsoft.com/office/drawing/2010/main" val="0"/>
+              </a:ext>
+            </a:extLst>
+          </a:blip>
+          <a:stretch>
+            <a:fillRect/>
+          </a:stretch>
+        </p:blipFill>
+        <p:spPr>
+          <a:xfrm>
+            <a:off x="5828525" y="4385509"/>
+            <a:ext cx="4781601" cy="2390801"/>
           </a:xfrm>
           <a:prstGeom prst="rect">
             <a:avLst/>
@@ -7601,6 +9563,135 @@
     <p:extLst>
       <p:ext uri="{BB962C8B-B14F-4D97-AF65-F5344CB8AC3E}">
         <p14:creationId xmlns:p14="http://schemas.microsoft.com/office/powerpoint/2010/main" val="4013126132"/>
+      </p:ext>
+    </p:extLst>
+  </p:cSld>
+  <p:clrMapOvr>
+    <a:masterClrMapping/>
+  </p:clrMapOvr>
+</p:sld>
+</file>
+
+<file path=ppt/slides/slide5.xml><?xml version="1.0" encoding="utf-8"?>
+<p:sld xmlns:a="http://schemas.openxmlformats.org/drawingml/2006/main" xmlns:r="http://schemas.openxmlformats.org/officeDocument/2006/relationships" xmlns:p="http://schemas.openxmlformats.org/presentationml/2006/main">
+  <p:cSld>
+    <p:spTree>
+      <p:nvGrpSpPr>
+        <p:cNvPr id="1" name=""/>
+        <p:cNvGrpSpPr/>
+        <p:nvPr/>
+      </p:nvGrpSpPr>
+      <p:grpSpPr>
+        <a:xfrm>
+          <a:off x="0" y="0"/>
+          <a:ext cx="0" cy="0"/>
+          <a:chOff x="0" y="0"/>
+          <a:chExt cx="0" cy="0"/>
+        </a:xfrm>
+      </p:grpSpPr>
+      <p:sp>
+        <p:nvSpPr>
+          <p:cNvPr id="4" name="矩形 3">
+            <a:extLst>
+              <a:ext uri="{FF2B5EF4-FFF2-40B4-BE49-F238E27FC236}">
+                <a16:creationId xmlns:a16="http://schemas.microsoft.com/office/drawing/2014/main" id="{06688BC3-C890-4393-AF59-D3433CFC14F0}"/>
+              </a:ext>
+            </a:extLst>
+          </p:cNvPr>
+          <p:cNvSpPr/>
+          <p:nvPr/>
+        </p:nvSpPr>
+        <p:spPr>
+          <a:xfrm>
+            <a:off x="1012660" y="949728"/>
+            <a:ext cx="6864550" cy="1754326"/>
+          </a:xfrm>
+          <a:prstGeom prst="rect">
+            <a:avLst/>
+          </a:prstGeom>
+        </p:spPr>
+        <p:txBody>
+          <a:bodyPr wrap="square">
+            <a:spAutoFit/>
+          </a:bodyPr>
+          <a:lstStyle/>
+          <a:p>
+            <a:r>
+              <a:rPr lang="zh-CN" altLang="en-US" dirty="0"/>
+              <a:t>后续计划</a:t>
+            </a:r>
+            <a:endParaRPr lang="en-US" altLang="zh-CN" dirty="0"/>
+          </a:p>
+          <a:p>
+            <a:pPr marL="342900" indent="-342900">
+              <a:buAutoNum type="arabicPeriod"/>
+            </a:pPr>
+            <a:r>
+              <a:rPr lang="zh-CN" altLang="en-US" dirty="0"/>
+              <a:t>可以尝试其他的评估指标，例如均方误差（</a:t>
+            </a:r>
+            <a:r>
+              <a:rPr lang="en-US" altLang="zh-CN" dirty="0"/>
+              <a:t>MSE</a:t>
+            </a:r>
+            <a:r>
+              <a:rPr lang="zh-CN" altLang="en-US" dirty="0"/>
+              <a:t>）、峰值信噪比（</a:t>
+            </a:r>
+            <a:r>
+              <a:rPr lang="en-US" altLang="zh-CN" dirty="0"/>
+              <a:t>PSNR</a:t>
+            </a:r>
+            <a:r>
+              <a:rPr lang="zh-CN" altLang="en-US" dirty="0"/>
+              <a:t>）等作为一个探索指标的小节。</a:t>
+            </a:r>
+            <a:endParaRPr lang="en-US" altLang="zh-CN" dirty="0"/>
+          </a:p>
+          <a:p>
+            <a:pPr marL="342900" indent="-342900">
+              <a:buAutoNum type="arabicPeriod"/>
+            </a:pPr>
+            <a:r>
+              <a:rPr lang="zh-CN" altLang="en-US" dirty="0"/>
+              <a:t>关于上次讨论提到的图片分辨率不同 </a:t>
+            </a:r>
+            <a:r>
+              <a:rPr lang="en-US" altLang="zh-CN" dirty="0"/>
+              <a:t>resize </a:t>
+            </a:r>
+            <a:r>
+              <a:rPr lang="zh-CN" altLang="en-US" dirty="0"/>
+              <a:t>导致问题的思考：可以试试先裁剪成</a:t>
+            </a:r>
+            <a:r>
+              <a:rPr lang="en-US" altLang="zh-CN" dirty="0"/>
+              <a:t>300 * 300px</a:t>
+            </a:r>
+            <a:r>
+              <a:rPr lang="zh-CN" altLang="en-US" dirty="0"/>
+              <a:t> 传入 </a:t>
+            </a:r>
+            <a:r>
+              <a:rPr lang="en-US" altLang="zh-CN" dirty="0" err="1"/>
+              <a:t>AlexNet</a:t>
+            </a:r>
+            <a:r>
+              <a:rPr lang="en-US" altLang="zh-CN" dirty="0"/>
+              <a:t> </a:t>
+            </a:r>
+            <a:r>
+              <a:rPr lang="zh-CN" altLang="en-US" dirty="0"/>
+              <a:t>再训练，这样不会有缩放的过程。</a:t>
+            </a:r>
+            <a:endParaRPr lang="en-US" altLang="zh-CN" dirty="0"/>
+          </a:p>
+        </p:txBody>
+      </p:sp>
+    </p:spTree>
+    <p:extLst>
+      <p:ext uri="{BB962C8B-B14F-4D97-AF65-F5344CB8AC3E}">
+        <p14:creationId xmlns:p14="http://schemas.microsoft.com/office/powerpoint/2010/main" val="2514314916"/>
       </p:ext>
     </p:extLst>
   </p:cSld>
